--- a/ES5e6.pptx
+++ b/ES5e6.pptx
@@ -12,15 +12,24 @@
     <p:sldId id="260" r:id="rId6"/>
     <p:sldId id="261" r:id="rId7"/>
     <p:sldId id="262" r:id="rId8"/>
-    <p:sldId id="263" r:id="rId9"/>
+    <p:sldId id="264" r:id="rId9"/>
     <p:sldId id="271" r:id="rId10"/>
-    <p:sldId id="264" r:id="rId11"/>
-    <p:sldId id="265" r:id="rId12"/>
-    <p:sldId id="266" r:id="rId13"/>
-    <p:sldId id="267" r:id="rId14"/>
-    <p:sldId id="268" r:id="rId15"/>
-    <p:sldId id="269" r:id="rId16"/>
-    <p:sldId id="270" r:id="rId17"/>
+    <p:sldId id="272" r:id="rId11"/>
+    <p:sldId id="279" r:id="rId12"/>
+    <p:sldId id="280" r:id="rId13"/>
+    <p:sldId id="281" r:id="rId14"/>
+    <p:sldId id="265" r:id="rId15"/>
+    <p:sldId id="266" r:id="rId16"/>
+    <p:sldId id="273" r:id="rId17"/>
+    <p:sldId id="274" r:id="rId18"/>
+    <p:sldId id="267" r:id="rId19"/>
+    <p:sldId id="275" r:id="rId20"/>
+    <p:sldId id="276" r:id="rId21"/>
+    <p:sldId id="268" r:id="rId22"/>
+    <p:sldId id="277" r:id="rId23"/>
+    <p:sldId id="278" r:id="rId24"/>
+    <p:sldId id="269" r:id="rId25"/>
+    <p:sldId id="270" r:id="rId26"/>
   </p:sldIdLst>
   <p:sldSz cx="9144000" cy="6858000" type="screen4x3"/>
   <p:notesSz cx="6858000" cy="9144000"/>
@@ -317,7 +326,7 @@
           <a:p>
             <a:fld id="{5BCAD085-E8A6-8845-BD4E-CB4CCA059FC4}" type="datetimeFigureOut">
               <a:rPr lang="en-US" smtClean="0"/>
-              <a:t>8/7/2024</a:t>
+              <a:t>8/14/2024</a:t>
             </a:fld>
             <a:endParaRPr lang="en-US"/>
           </a:p>
@@ -485,7 +494,7 @@
           <a:p>
             <a:fld id="{5BCAD085-E8A6-8845-BD4E-CB4CCA059FC4}" type="datetimeFigureOut">
               <a:rPr lang="en-US" smtClean="0"/>
-              <a:t>8/7/2024</a:t>
+              <a:t>8/14/2024</a:t>
             </a:fld>
             <a:endParaRPr lang="en-US"/>
           </a:p>
@@ -663,7 +672,7 @@
           <a:p>
             <a:fld id="{5BCAD085-E8A6-8845-BD4E-CB4CCA059FC4}" type="datetimeFigureOut">
               <a:rPr lang="en-US" smtClean="0"/>
-              <a:t>8/7/2024</a:t>
+              <a:t>8/14/2024</a:t>
             </a:fld>
             <a:endParaRPr lang="en-US"/>
           </a:p>
@@ -831,7 +840,7 @@
           <a:p>
             <a:fld id="{5BCAD085-E8A6-8845-BD4E-CB4CCA059FC4}" type="datetimeFigureOut">
               <a:rPr lang="en-US" smtClean="0"/>
-              <a:t>8/7/2024</a:t>
+              <a:t>8/14/2024</a:t>
             </a:fld>
             <a:endParaRPr lang="en-US"/>
           </a:p>
@@ -1076,7 +1085,7 @@
           <a:p>
             <a:fld id="{5BCAD085-E8A6-8845-BD4E-CB4CCA059FC4}" type="datetimeFigureOut">
               <a:rPr lang="en-US" smtClean="0"/>
-              <a:t>8/7/2024</a:t>
+              <a:t>8/14/2024</a:t>
             </a:fld>
             <a:endParaRPr lang="en-US"/>
           </a:p>
@@ -1361,7 +1370,7 @@
           <a:p>
             <a:fld id="{5BCAD085-E8A6-8845-BD4E-CB4CCA059FC4}" type="datetimeFigureOut">
               <a:rPr lang="en-US" smtClean="0"/>
-              <a:t>8/7/2024</a:t>
+              <a:t>8/14/2024</a:t>
             </a:fld>
             <a:endParaRPr lang="en-US"/>
           </a:p>
@@ -1780,7 +1789,7 @@
           <a:p>
             <a:fld id="{5BCAD085-E8A6-8845-BD4E-CB4CCA059FC4}" type="datetimeFigureOut">
               <a:rPr lang="en-US" smtClean="0"/>
-              <a:t>8/7/2024</a:t>
+              <a:t>8/14/2024</a:t>
             </a:fld>
             <a:endParaRPr lang="en-US"/>
           </a:p>
@@ -1897,7 +1906,7 @@
           <a:p>
             <a:fld id="{5BCAD085-E8A6-8845-BD4E-CB4CCA059FC4}" type="datetimeFigureOut">
               <a:rPr lang="en-US" smtClean="0"/>
-              <a:t>8/7/2024</a:t>
+              <a:t>8/14/2024</a:t>
             </a:fld>
             <a:endParaRPr lang="en-US"/>
           </a:p>
@@ -1992,7 +2001,7 @@
           <a:p>
             <a:fld id="{5BCAD085-E8A6-8845-BD4E-CB4CCA059FC4}" type="datetimeFigureOut">
               <a:rPr lang="en-US" smtClean="0"/>
-              <a:t>8/7/2024</a:t>
+              <a:t>8/14/2024</a:t>
             </a:fld>
             <a:endParaRPr lang="en-US"/>
           </a:p>
@@ -2267,7 +2276,7 @@
           <a:p>
             <a:fld id="{5BCAD085-E8A6-8845-BD4E-CB4CCA059FC4}" type="datetimeFigureOut">
               <a:rPr lang="en-US" smtClean="0"/>
-              <a:t>8/7/2024</a:t>
+              <a:t>8/14/2024</a:t>
             </a:fld>
             <a:endParaRPr lang="en-US"/>
           </a:p>
@@ -2519,7 +2528,7 @@
           <a:p>
             <a:fld id="{5BCAD085-E8A6-8845-BD4E-CB4CCA059FC4}" type="datetimeFigureOut">
               <a:rPr lang="en-US" smtClean="0"/>
-              <a:t>8/7/2024</a:t>
+              <a:t>8/14/2024</a:t>
             </a:fld>
             <a:endParaRPr lang="en-US"/>
           </a:p>
@@ -2730,7 +2739,7 @@
           <a:p>
             <a:fld id="{5BCAD085-E8A6-8845-BD4E-CB4CCA059FC4}" type="datetimeFigureOut">
               <a:rPr lang="en-US" smtClean="0"/>
-              <a:t>8/7/2024</a:t>
+              <a:t>8/14/2024</a:t>
             </a:fld>
             <a:endParaRPr lang="en-US"/>
           </a:p>
@@ -3176,7 +3185,13 @@
       </p:grpSpPr>
       <p:sp>
         <p:nvSpPr>
-          <p:cNvPr id="2" name="Title 1"/>
+          <p:cNvPr id="2" name="Título 1">
+            <a:extLst>
+              <a:ext uri="{FF2B5EF4-FFF2-40B4-BE49-F238E27FC236}">
+                <a16:creationId xmlns:a16="http://schemas.microsoft.com/office/drawing/2014/main" id="{A46025F6-B332-D39F-5235-B2ED2B5DB363}"/>
+              </a:ext>
+            </a:extLst>
+          </p:cNvPr>
           <p:cNvSpPr>
             <a:spLocks noGrp="1"/>
           </p:cNvSpPr>
@@ -3190,14 +3205,34 @@
           <a:lstStyle/>
           <a:p>
             <a:r>
-              <a:t>Diferenças Entre ES5 e ES6</a:t>
-            </a:r>
-          </a:p>
-        </p:txBody>
-      </p:sp>
-      <p:sp>
-        <p:nvSpPr>
-          <p:cNvPr id="3" name="Content Placeholder 2"/>
+              <a:rPr lang="pt-BR" dirty="0"/>
+              <a:t>Exercícios de </a:t>
+            </a:r>
+            <a:r>
+              <a:rPr lang="pt-BR" dirty="0" err="1"/>
+              <a:t>arrow</a:t>
+            </a:r>
+            <a:r>
+              <a:rPr lang="pt-BR" dirty="0"/>
+              <a:t> </a:t>
+            </a:r>
+            <a:r>
+              <a:rPr lang="pt-BR" dirty="0" err="1"/>
+              <a:t>function</a:t>
+            </a:r>
+            <a:endParaRPr lang="pt-BR" dirty="0"/>
+          </a:p>
+        </p:txBody>
+      </p:sp>
+      <p:sp>
+        <p:nvSpPr>
+          <p:cNvPr id="3" name="Espaço Reservado para Conteúdo 2">
+            <a:extLst>
+              <a:ext uri="{FF2B5EF4-FFF2-40B4-BE49-F238E27FC236}">
+                <a16:creationId xmlns:a16="http://schemas.microsoft.com/office/drawing/2014/main" id="{11230F4B-FB9D-AFF6-CEAE-2050027442F0}"/>
+              </a:ext>
+            </a:extLst>
+          </p:cNvPr>
           <p:cNvSpPr>
             <a:spLocks noGrp="1"/>
           </p:cNvSpPr>
@@ -3208,114 +3243,541 @@
         <p:spPr/>
         <p:txBody>
           <a:bodyPr>
-            <a:normAutofit fontScale="92500" lnSpcReduction="20000"/>
+            <a:normAutofit fontScale="92500" lnSpcReduction="10000"/>
           </a:bodyPr>
           <a:lstStyle/>
           <a:p>
-            <a:r>
-              <a:rPr dirty="0"/>
-              <a:t>ES5:</a:t>
-            </a:r>
-          </a:p>
-          <a:p>
-            <a:pPr lvl="1"/>
-            <a:r>
-              <a:rPr dirty="0"/>
-              <a:t>- </a:t>
-            </a:r>
-            <a:r>
-              <a:rPr dirty="0" err="1"/>
-              <a:t>Funções</a:t>
-            </a:r>
-            <a:r>
-              <a:rPr dirty="0"/>
+            <a:pPr>
+              <a:lnSpc>
+                <a:spcPct val="107000"/>
+              </a:lnSpc>
+              <a:spcAft>
+                <a:spcPts val="800"/>
+              </a:spcAft>
+            </a:pPr>
+            <a:r>
+              <a:rPr lang="pt-BR" sz="1800" kern="100" dirty="0">
+                <a:effectLst/>
+                <a:latin typeface="Aptos" panose="020B0004020202020204" pitchFamily="34" charset="0"/>
+                <a:ea typeface="Aptos" panose="020B0004020202020204" pitchFamily="34" charset="0"/>
+                <a:cs typeface="Times New Roman" panose="02020603050405020304" pitchFamily="18" charset="0"/>
+              </a:rPr>
+              <a:t>Dado um texto e dois índices, crie uma </a:t>
+            </a:r>
+            <a:r>
+              <a:rPr lang="pt-BR" sz="1800" kern="100" dirty="0" err="1">
+                <a:effectLst/>
+                <a:latin typeface="Aptos" panose="020B0004020202020204" pitchFamily="34" charset="0"/>
+                <a:ea typeface="Aptos" panose="020B0004020202020204" pitchFamily="34" charset="0"/>
+                <a:cs typeface="Times New Roman" panose="02020603050405020304" pitchFamily="18" charset="0"/>
+              </a:rPr>
+              <a:t>arrow</a:t>
+            </a:r>
+            <a:r>
+              <a:rPr lang="pt-BR" sz="1800" kern="100" dirty="0">
+                <a:effectLst/>
+                <a:latin typeface="Aptos" panose="020B0004020202020204" pitchFamily="34" charset="0"/>
+                <a:ea typeface="Aptos" panose="020B0004020202020204" pitchFamily="34" charset="0"/>
+                <a:cs typeface="Times New Roman" panose="02020603050405020304" pitchFamily="18" charset="0"/>
+              </a:rPr>
               <a:t> </a:t>
             </a:r>
             <a:r>
-              <a:rPr dirty="0" err="1"/>
-              <a:t>tradicionais</a:t>
-            </a:r>
-            <a:endParaRPr dirty="0"/>
-          </a:p>
-          <a:p>
-            <a:pPr lvl="1"/>
-            <a:r>
-              <a:rPr dirty="0"/>
-              <a:t>- var para </a:t>
-            </a:r>
-            <a:r>
-              <a:rPr dirty="0" err="1"/>
-              <a:t>variáveis</a:t>
-            </a:r>
-            <a:endParaRPr dirty="0"/>
-          </a:p>
-          <a:p>
-            <a:pPr lvl="1"/>
-            <a:r>
-              <a:rPr dirty="0"/>
-              <a:t>- this </a:t>
-            </a:r>
-            <a:r>
-              <a:rPr dirty="0" err="1"/>
-              <a:t>dinâmico</a:t>
-            </a:r>
-            <a:endParaRPr dirty="0"/>
-          </a:p>
-          <a:p>
-            <a:endParaRPr dirty="0"/>
-          </a:p>
-          <a:p>
-            <a:r>
-              <a:rPr dirty="0"/>
-              <a:t>ES6:</a:t>
-            </a:r>
-          </a:p>
-          <a:p>
-            <a:pPr lvl="1"/>
-            <a:r>
-              <a:rPr dirty="0"/>
-              <a:t>- Arrow functions</a:t>
-            </a:r>
-          </a:p>
-          <a:p>
-            <a:pPr lvl="1"/>
-            <a:r>
-              <a:rPr dirty="0"/>
-              <a:t>- let e const para </a:t>
-            </a:r>
-            <a:r>
-              <a:rPr dirty="0" err="1"/>
-              <a:t>variáveis</a:t>
-            </a:r>
-            <a:endParaRPr dirty="0"/>
-          </a:p>
-          <a:p>
-            <a:pPr lvl="1"/>
-            <a:r>
-              <a:rPr dirty="0"/>
-              <a:t>- this </a:t>
-            </a:r>
-            <a:r>
-              <a:rPr dirty="0" err="1"/>
-              <a:t>léxico</a:t>
-            </a:r>
-            <a:endParaRPr dirty="0"/>
-          </a:p>
-          <a:p>
-            <a:pPr lvl="1"/>
-            <a:r>
-              <a:rPr dirty="0"/>
-              <a:t>- Novas features: template literals, </a:t>
-            </a:r>
-            <a:r>
-              <a:rPr dirty="0" err="1"/>
-              <a:t>destructuring</a:t>
-            </a:r>
-            <a:endParaRPr dirty="0"/>
+              <a:rPr lang="pt-BR" sz="1800" kern="100" dirty="0" err="1">
+                <a:effectLst/>
+                <a:latin typeface="Aptos" panose="020B0004020202020204" pitchFamily="34" charset="0"/>
+                <a:ea typeface="Aptos" panose="020B0004020202020204" pitchFamily="34" charset="0"/>
+                <a:cs typeface="Times New Roman" panose="02020603050405020304" pitchFamily="18" charset="0"/>
+              </a:rPr>
+              <a:t>function</a:t>
+            </a:r>
+            <a:r>
+              <a:rPr lang="pt-BR" sz="1800" kern="100" dirty="0">
+                <a:effectLst/>
+                <a:latin typeface="Aptos" panose="020B0004020202020204" pitchFamily="34" charset="0"/>
+                <a:ea typeface="Aptos" panose="020B0004020202020204" pitchFamily="34" charset="0"/>
+                <a:cs typeface="Times New Roman" panose="02020603050405020304" pitchFamily="18" charset="0"/>
+              </a:rPr>
+              <a:t> que use o método </a:t>
+            </a:r>
+            <a:r>
+              <a:rPr lang="pt-BR" sz="1800" kern="100" dirty="0" err="1">
+                <a:effectLst/>
+                <a:latin typeface="Aptos" panose="020B0004020202020204" pitchFamily="34" charset="0"/>
+                <a:ea typeface="Aptos" panose="020B0004020202020204" pitchFamily="34" charset="0"/>
+                <a:cs typeface="Times New Roman" panose="02020603050405020304" pitchFamily="18" charset="0"/>
+              </a:rPr>
+              <a:t>slice</a:t>
+            </a:r>
+            <a:r>
+              <a:rPr lang="pt-BR" sz="1800" kern="100" dirty="0">
+                <a:effectLst/>
+                <a:latin typeface="Aptos" panose="020B0004020202020204" pitchFamily="34" charset="0"/>
+                <a:ea typeface="Aptos" panose="020B0004020202020204" pitchFamily="34" charset="0"/>
+                <a:cs typeface="Times New Roman" panose="02020603050405020304" pitchFamily="18" charset="0"/>
+              </a:rPr>
+              <a:t>() para extrair e retornar uma </a:t>
+            </a:r>
+            <a:r>
+              <a:rPr lang="pt-BR" sz="1800" kern="100" dirty="0" err="1">
+                <a:effectLst/>
+                <a:latin typeface="Aptos" panose="020B0004020202020204" pitchFamily="34" charset="0"/>
+                <a:ea typeface="Aptos" panose="020B0004020202020204" pitchFamily="34" charset="0"/>
+                <a:cs typeface="Times New Roman" panose="02020603050405020304" pitchFamily="18" charset="0"/>
+              </a:rPr>
+              <a:t>substring</a:t>
+            </a:r>
+            <a:r>
+              <a:rPr lang="pt-BR" sz="1800" kern="100" dirty="0">
+                <a:effectLst/>
+                <a:latin typeface="Aptos" panose="020B0004020202020204" pitchFamily="34" charset="0"/>
+                <a:ea typeface="Aptos" panose="020B0004020202020204" pitchFamily="34" charset="0"/>
+                <a:cs typeface="Times New Roman" panose="02020603050405020304" pitchFamily="18" charset="0"/>
+              </a:rPr>
+              <a:t> do texto original. A </a:t>
+            </a:r>
+            <a:r>
+              <a:rPr lang="pt-BR" sz="1800" kern="100" dirty="0" err="1">
+                <a:effectLst/>
+                <a:latin typeface="Aptos" panose="020B0004020202020204" pitchFamily="34" charset="0"/>
+                <a:ea typeface="Aptos" panose="020B0004020202020204" pitchFamily="34" charset="0"/>
+                <a:cs typeface="Times New Roman" panose="02020603050405020304" pitchFamily="18" charset="0"/>
+              </a:rPr>
+              <a:t>substring</a:t>
+            </a:r>
+            <a:r>
+              <a:rPr lang="pt-BR" sz="1800" kern="100" dirty="0">
+                <a:effectLst/>
+                <a:latin typeface="Aptos" panose="020B0004020202020204" pitchFamily="34" charset="0"/>
+                <a:ea typeface="Aptos" panose="020B0004020202020204" pitchFamily="34" charset="0"/>
+                <a:cs typeface="Times New Roman" panose="02020603050405020304" pitchFamily="18" charset="0"/>
+              </a:rPr>
+              <a:t> deve começar no primeiro índice e terminar no segundo índice (exclusivo).</a:t>
+            </a:r>
+          </a:p>
+          <a:p>
+            <a:pPr>
+              <a:lnSpc>
+                <a:spcPct val="107000"/>
+              </a:lnSpc>
+              <a:spcAft>
+                <a:spcPts val="800"/>
+              </a:spcAft>
+            </a:pPr>
+            <a:r>
+              <a:rPr lang="pt-BR" sz="1800" b="1" kern="100" dirty="0">
+                <a:effectLst/>
+                <a:latin typeface="Aptos" panose="020B0004020202020204" pitchFamily="34" charset="0"/>
+                <a:ea typeface="Aptos" panose="020B0004020202020204" pitchFamily="34" charset="0"/>
+                <a:cs typeface="Times New Roman" panose="02020603050405020304" pitchFamily="18" charset="0"/>
+              </a:rPr>
+              <a:t>Instruções:</a:t>
+            </a:r>
+            <a:endParaRPr lang="pt-BR" sz="1800" kern="100" dirty="0">
+              <a:effectLst/>
+              <a:latin typeface="Aptos" panose="020B0004020202020204" pitchFamily="34" charset="0"/>
+              <a:ea typeface="Aptos" panose="020B0004020202020204" pitchFamily="34" charset="0"/>
+              <a:cs typeface="Times New Roman" panose="02020603050405020304" pitchFamily="18" charset="0"/>
+            </a:endParaRPr>
+          </a:p>
+          <a:p>
+            <a:pPr marL="342900" lvl="0" indent="-342900">
+              <a:lnSpc>
+                <a:spcPct val="107000"/>
+              </a:lnSpc>
+              <a:spcAft>
+                <a:spcPts val="800"/>
+              </a:spcAft>
+              <a:buFont typeface="+mj-lt"/>
+              <a:buAutoNum type="arabicPeriod"/>
+              <a:tabLst>
+                <a:tab pos="457200" algn="l"/>
+              </a:tabLst>
+            </a:pPr>
+            <a:r>
+              <a:rPr lang="pt-BR" sz="1800" kern="100" dirty="0">
+                <a:effectLst/>
+                <a:latin typeface="Aptos" panose="020B0004020202020204" pitchFamily="34" charset="0"/>
+                <a:ea typeface="Aptos" panose="020B0004020202020204" pitchFamily="34" charset="0"/>
+                <a:cs typeface="Times New Roman" panose="02020603050405020304" pitchFamily="18" charset="0"/>
+              </a:rPr>
+              <a:t>Crie uma </a:t>
+            </a:r>
+            <a:r>
+              <a:rPr lang="pt-BR" sz="1800" kern="100" dirty="0" err="1">
+                <a:effectLst/>
+                <a:latin typeface="Aptos" panose="020B0004020202020204" pitchFamily="34" charset="0"/>
+                <a:ea typeface="Aptos" panose="020B0004020202020204" pitchFamily="34" charset="0"/>
+                <a:cs typeface="Times New Roman" panose="02020603050405020304" pitchFamily="18" charset="0"/>
+              </a:rPr>
+              <a:t>string</a:t>
+            </a:r>
+            <a:r>
+              <a:rPr lang="pt-BR" sz="1800" kern="100" dirty="0">
+                <a:effectLst/>
+                <a:latin typeface="Aptos" panose="020B0004020202020204" pitchFamily="34" charset="0"/>
+                <a:ea typeface="Aptos" panose="020B0004020202020204" pitchFamily="34" charset="0"/>
+                <a:cs typeface="Times New Roman" panose="02020603050405020304" pitchFamily="18" charset="0"/>
+              </a:rPr>
+              <a:t> chamada texto com o valor "</a:t>
+            </a:r>
+            <a:r>
+              <a:rPr lang="pt-BR" sz="1800" kern="100" dirty="0" err="1">
+                <a:effectLst/>
+                <a:latin typeface="Aptos" panose="020B0004020202020204" pitchFamily="34" charset="0"/>
+                <a:ea typeface="Aptos" panose="020B0004020202020204" pitchFamily="34" charset="0"/>
+                <a:cs typeface="Times New Roman" panose="02020603050405020304" pitchFamily="18" charset="0"/>
+              </a:rPr>
+              <a:t>JavaScript</a:t>
+            </a:r>
+            <a:r>
+              <a:rPr lang="pt-BR" sz="1800" kern="100" dirty="0">
+                <a:effectLst/>
+                <a:latin typeface="Aptos" panose="020B0004020202020204" pitchFamily="34" charset="0"/>
+                <a:ea typeface="Aptos" panose="020B0004020202020204" pitchFamily="34" charset="0"/>
+                <a:cs typeface="Times New Roman" panose="02020603050405020304" pitchFamily="18" charset="0"/>
+              </a:rPr>
+              <a:t> é uma linguagem poderosa!".</a:t>
+            </a:r>
+          </a:p>
+          <a:p>
+            <a:pPr marL="342900" lvl="0" indent="-342900">
+              <a:lnSpc>
+                <a:spcPct val="107000"/>
+              </a:lnSpc>
+              <a:spcAft>
+                <a:spcPts val="800"/>
+              </a:spcAft>
+              <a:buFont typeface="+mj-lt"/>
+              <a:buAutoNum type="arabicPeriod"/>
+              <a:tabLst>
+                <a:tab pos="457200" algn="l"/>
+              </a:tabLst>
+            </a:pPr>
+            <a:r>
+              <a:rPr lang="pt-BR" sz="1800" kern="100" dirty="0">
+                <a:effectLst/>
+                <a:latin typeface="Aptos" panose="020B0004020202020204" pitchFamily="34" charset="0"/>
+                <a:ea typeface="Aptos" panose="020B0004020202020204" pitchFamily="34" charset="0"/>
+                <a:cs typeface="Times New Roman" panose="02020603050405020304" pitchFamily="18" charset="0"/>
+              </a:rPr>
+              <a:t>Crie uma </a:t>
+            </a:r>
+            <a:r>
+              <a:rPr lang="pt-BR" sz="1800" kern="100" dirty="0" err="1">
+                <a:effectLst/>
+                <a:latin typeface="Aptos" panose="020B0004020202020204" pitchFamily="34" charset="0"/>
+                <a:ea typeface="Aptos" panose="020B0004020202020204" pitchFamily="34" charset="0"/>
+                <a:cs typeface="Times New Roman" panose="02020603050405020304" pitchFamily="18" charset="0"/>
+              </a:rPr>
+              <a:t>arrow</a:t>
+            </a:r>
+            <a:r>
+              <a:rPr lang="pt-BR" sz="1800" kern="100" dirty="0">
+                <a:effectLst/>
+                <a:latin typeface="Aptos" panose="020B0004020202020204" pitchFamily="34" charset="0"/>
+                <a:ea typeface="Aptos" panose="020B0004020202020204" pitchFamily="34" charset="0"/>
+                <a:cs typeface="Times New Roman" panose="02020603050405020304" pitchFamily="18" charset="0"/>
+              </a:rPr>
+              <a:t> </a:t>
+            </a:r>
+            <a:r>
+              <a:rPr lang="pt-BR" sz="1800" kern="100" dirty="0" err="1">
+                <a:effectLst/>
+                <a:latin typeface="Aptos" panose="020B0004020202020204" pitchFamily="34" charset="0"/>
+                <a:ea typeface="Aptos" panose="020B0004020202020204" pitchFamily="34" charset="0"/>
+                <a:cs typeface="Times New Roman" panose="02020603050405020304" pitchFamily="18" charset="0"/>
+              </a:rPr>
+              <a:t>function</a:t>
+            </a:r>
+            <a:r>
+              <a:rPr lang="pt-BR" sz="1800" kern="100" dirty="0">
+                <a:effectLst/>
+                <a:latin typeface="Aptos" panose="020B0004020202020204" pitchFamily="34" charset="0"/>
+                <a:ea typeface="Aptos" panose="020B0004020202020204" pitchFamily="34" charset="0"/>
+                <a:cs typeface="Times New Roman" panose="02020603050405020304" pitchFamily="18" charset="0"/>
+              </a:rPr>
+              <a:t> chamada </a:t>
+            </a:r>
+            <a:r>
+              <a:rPr lang="pt-BR" sz="1800" kern="100" dirty="0" err="1">
+                <a:effectLst/>
+                <a:latin typeface="Aptos" panose="020B0004020202020204" pitchFamily="34" charset="0"/>
+                <a:ea typeface="Aptos" panose="020B0004020202020204" pitchFamily="34" charset="0"/>
+                <a:cs typeface="Times New Roman" panose="02020603050405020304" pitchFamily="18" charset="0"/>
+              </a:rPr>
+              <a:t>extrairSubstring</a:t>
+            </a:r>
+            <a:r>
+              <a:rPr lang="pt-BR" sz="1800" kern="100" dirty="0">
+                <a:effectLst/>
+                <a:latin typeface="Aptos" panose="020B0004020202020204" pitchFamily="34" charset="0"/>
+                <a:ea typeface="Aptos" panose="020B0004020202020204" pitchFamily="34" charset="0"/>
+                <a:cs typeface="Times New Roman" panose="02020603050405020304" pitchFamily="18" charset="0"/>
+              </a:rPr>
+              <a:t> que receba três parâmetros:</a:t>
+            </a:r>
+          </a:p>
+          <a:p>
+            <a:pPr marL="742950" lvl="1" indent="-285750">
+              <a:lnSpc>
+                <a:spcPct val="107000"/>
+              </a:lnSpc>
+              <a:spcAft>
+                <a:spcPts val="800"/>
+              </a:spcAft>
+              <a:buSzPts val="1000"/>
+              <a:buFont typeface="Courier New" panose="02070309020205020404" pitchFamily="49" charset="0"/>
+              <a:buChar char="o"/>
+              <a:tabLst>
+                <a:tab pos="914400" algn="l"/>
+              </a:tabLst>
+            </a:pPr>
+            <a:r>
+              <a:rPr lang="pt-BR" sz="1800" kern="100" dirty="0">
+                <a:effectLst/>
+                <a:latin typeface="Aptos" panose="020B0004020202020204" pitchFamily="34" charset="0"/>
+                <a:ea typeface="Aptos" panose="020B0004020202020204" pitchFamily="34" charset="0"/>
+                <a:cs typeface="Times New Roman" panose="02020603050405020304" pitchFamily="18" charset="0"/>
+              </a:rPr>
+              <a:t>texto: a </a:t>
+            </a:r>
+            <a:r>
+              <a:rPr lang="pt-BR" sz="1800" kern="100" dirty="0" err="1">
+                <a:effectLst/>
+                <a:latin typeface="Aptos" panose="020B0004020202020204" pitchFamily="34" charset="0"/>
+                <a:ea typeface="Aptos" panose="020B0004020202020204" pitchFamily="34" charset="0"/>
+                <a:cs typeface="Times New Roman" panose="02020603050405020304" pitchFamily="18" charset="0"/>
+              </a:rPr>
+              <a:t>string</a:t>
+            </a:r>
+            <a:r>
+              <a:rPr lang="pt-BR" sz="1800" kern="100" dirty="0">
+                <a:effectLst/>
+                <a:latin typeface="Aptos" panose="020B0004020202020204" pitchFamily="34" charset="0"/>
+                <a:ea typeface="Aptos" panose="020B0004020202020204" pitchFamily="34" charset="0"/>
+                <a:cs typeface="Times New Roman" panose="02020603050405020304" pitchFamily="18" charset="0"/>
+              </a:rPr>
+              <a:t> de onde a </a:t>
+            </a:r>
+            <a:r>
+              <a:rPr lang="pt-BR" sz="1800" kern="100" dirty="0" err="1">
+                <a:effectLst/>
+                <a:latin typeface="Aptos" panose="020B0004020202020204" pitchFamily="34" charset="0"/>
+                <a:ea typeface="Aptos" panose="020B0004020202020204" pitchFamily="34" charset="0"/>
+                <a:cs typeface="Times New Roman" panose="02020603050405020304" pitchFamily="18" charset="0"/>
+              </a:rPr>
+              <a:t>substring</a:t>
+            </a:r>
+            <a:r>
+              <a:rPr lang="pt-BR" sz="1800" kern="100" dirty="0">
+                <a:effectLst/>
+                <a:latin typeface="Aptos" panose="020B0004020202020204" pitchFamily="34" charset="0"/>
+                <a:ea typeface="Aptos" panose="020B0004020202020204" pitchFamily="34" charset="0"/>
+                <a:cs typeface="Times New Roman" panose="02020603050405020304" pitchFamily="18" charset="0"/>
+              </a:rPr>
+              <a:t> será extraída.</a:t>
+            </a:r>
+          </a:p>
+          <a:p>
+            <a:pPr marL="742950" lvl="1" indent="-285750">
+              <a:lnSpc>
+                <a:spcPct val="107000"/>
+              </a:lnSpc>
+              <a:spcAft>
+                <a:spcPts val="800"/>
+              </a:spcAft>
+              <a:buSzPts val="1000"/>
+              <a:buFont typeface="Courier New" panose="02070309020205020404" pitchFamily="49" charset="0"/>
+              <a:buChar char="o"/>
+              <a:tabLst>
+                <a:tab pos="914400" algn="l"/>
+              </a:tabLst>
+            </a:pPr>
+            <a:r>
+              <a:rPr lang="pt-BR" sz="1800" kern="100" dirty="0">
+                <a:effectLst/>
+                <a:latin typeface="Aptos" panose="020B0004020202020204" pitchFamily="34" charset="0"/>
+                <a:ea typeface="Aptos" panose="020B0004020202020204" pitchFamily="34" charset="0"/>
+                <a:cs typeface="Times New Roman" panose="02020603050405020304" pitchFamily="18" charset="0"/>
+              </a:rPr>
+              <a:t>inicio: o índice inicial da </a:t>
+            </a:r>
+            <a:r>
+              <a:rPr lang="pt-BR" sz="1800" kern="100" dirty="0" err="1">
+                <a:effectLst/>
+                <a:latin typeface="Aptos" panose="020B0004020202020204" pitchFamily="34" charset="0"/>
+                <a:ea typeface="Aptos" panose="020B0004020202020204" pitchFamily="34" charset="0"/>
+                <a:cs typeface="Times New Roman" panose="02020603050405020304" pitchFamily="18" charset="0"/>
+              </a:rPr>
+              <a:t>substring</a:t>
+            </a:r>
+            <a:r>
+              <a:rPr lang="pt-BR" sz="1800" kern="100" dirty="0">
+                <a:effectLst/>
+                <a:latin typeface="Aptos" panose="020B0004020202020204" pitchFamily="34" charset="0"/>
+                <a:ea typeface="Aptos" panose="020B0004020202020204" pitchFamily="34" charset="0"/>
+                <a:cs typeface="Times New Roman" panose="02020603050405020304" pitchFamily="18" charset="0"/>
+              </a:rPr>
+              <a:t>.</a:t>
+            </a:r>
+          </a:p>
+          <a:p>
+            <a:pPr marL="742950" lvl="1" indent="-285750">
+              <a:lnSpc>
+                <a:spcPct val="107000"/>
+              </a:lnSpc>
+              <a:spcAft>
+                <a:spcPts val="800"/>
+              </a:spcAft>
+              <a:buSzPts val="1000"/>
+              <a:buFont typeface="Courier New" panose="02070309020205020404" pitchFamily="49" charset="0"/>
+              <a:buChar char="o"/>
+              <a:tabLst>
+                <a:tab pos="914400" algn="l"/>
+              </a:tabLst>
+            </a:pPr>
+            <a:r>
+              <a:rPr lang="pt-BR" sz="1800" kern="100" dirty="0">
+                <a:effectLst/>
+                <a:latin typeface="Aptos" panose="020B0004020202020204" pitchFamily="34" charset="0"/>
+                <a:ea typeface="Aptos" panose="020B0004020202020204" pitchFamily="34" charset="0"/>
+                <a:cs typeface="Times New Roman" panose="02020603050405020304" pitchFamily="18" charset="0"/>
+              </a:rPr>
+              <a:t>fim: o índice final da </a:t>
+            </a:r>
+            <a:r>
+              <a:rPr lang="pt-BR" sz="1800" kern="100" dirty="0" err="1">
+                <a:effectLst/>
+                <a:latin typeface="Aptos" panose="020B0004020202020204" pitchFamily="34" charset="0"/>
+                <a:ea typeface="Aptos" panose="020B0004020202020204" pitchFamily="34" charset="0"/>
+                <a:cs typeface="Times New Roman" panose="02020603050405020304" pitchFamily="18" charset="0"/>
+              </a:rPr>
+              <a:t>substring</a:t>
+            </a:r>
+            <a:r>
+              <a:rPr lang="pt-BR" sz="1800" kern="100" dirty="0">
+                <a:effectLst/>
+                <a:latin typeface="Aptos" panose="020B0004020202020204" pitchFamily="34" charset="0"/>
+                <a:ea typeface="Aptos" panose="020B0004020202020204" pitchFamily="34" charset="0"/>
+                <a:cs typeface="Times New Roman" panose="02020603050405020304" pitchFamily="18" charset="0"/>
+              </a:rPr>
+              <a:t> (exclusivo).</a:t>
+            </a:r>
+          </a:p>
+          <a:p>
+            <a:pPr marL="342900" lvl="0" indent="-342900">
+              <a:lnSpc>
+                <a:spcPct val="107000"/>
+              </a:lnSpc>
+              <a:spcAft>
+                <a:spcPts val="800"/>
+              </a:spcAft>
+              <a:buFont typeface="+mj-lt"/>
+              <a:buAutoNum type="arabicPeriod"/>
+              <a:tabLst>
+                <a:tab pos="457200" algn="l"/>
+              </a:tabLst>
+            </a:pPr>
+            <a:r>
+              <a:rPr lang="pt-BR" sz="1800" kern="100" dirty="0">
+                <a:effectLst/>
+                <a:latin typeface="Aptos" panose="020B0004020202020204" pitchFamily="34" charset="0"/>
+                <a:ea typeface="Aptos" panose="020B0004020202020204" pitchFamily="34" charset="0"/>
+                <a:cs typeface="Times New Roman" panose="02020603050405020304" pitchFamily="18" charset="0"/>
+              </a:rPr>
+              <a:t>A função deve usar o método </a:t>
+            </a:r>
+            <a:r>
+              <a:rPr lang="pt-BR" sz="1800" kern="100" dirty="0" err="1">
+                <a:effectLst/>
+                <a:latin typeface="Aptos" panose="020B0004020202020204" pitchFamily="34" charset="0"/>
+                <a:ea typeface="Aptos" panose="020B0004020202020204" pitchFamily="34" charset="0"/>
+                <a:cs typeface="Times New Roman" panose="02020603050405020304" pitchFamily="18" charset="0"/>
+              </a:rPr>
+              <a:t>slice</a:t>
+            </a:r>
+            <a:r>
+              <a:rPr lang="pt-BR" sz="1800" kern="100" dirty="0">
+                <a:effectLst/>
+                <a:latin typeface="Aptos" panose="020B0004020202020204" pitchFamily="34" charset="0"/>
+                <a:ea typeface="Aptos" panose="020B0004020202020204" pitchFamily="34" charset="0"/>
+                <a:cs typeface="Times New Roman" panose="02020603050405020304" pitchFamily="18" charset="0"/>
+              </a:rPr>
+              <a:t>() para extrair a </a:t>
+            </a:r>
+            <a:r>
+              <a:rPr lang="pt-BR" sz="1800" kern="100" dirty="0" err="1">
+                <a:effectLst/>
+                <a:latin typeface="Aptos" panose="020B0004020202020204" pitchFamily="34" charset="0"/>
+                <a:ea typeface="Aptos" panose="020B0004020202020204" pitchFamily="34" charset="0"/>
+                <a:cs typeface="Times New Roman" panose="02020603050405020304" pitchFamily="18" charset="0"/>
+              </a:rPr>
+              <a:t>substring</a:t>
+            </a:r>
+            <a:r>
+              <a:rPr lang="pt-BR" sz="1800" kern="100" dirty="0">
+                <a:effectLst/>
+                <a:latin typeface="Aptos" panose="020B0004020202020204" pitchFamily="34" charset="0"/>
+                <a:ea typeface="Aptos" panose="020B0004020202020204" pitchFamily="34" charset="0"/>
+                <a:cs typeface="Times New Roman" panose="02020603050405020304" pitchFamily="18" charset="0"/>
+              </a:rPr>
+              <a:t>.</a:t>
+            </a:r>
+          </a:p>
+          <a:p>
+            <a:pPr marL="342900" lvl="0" indent="-342900">
+              <a:lnSpc>
+                <a:spcPct val="107000"/>
+              </a:lnSpc>
+              <a:spcAft>
+                <a:spcPts val="800"/>
+              </a:spcAft>
+              <a:buFont typeface="+mj-lt"/>
+              <a:buAutoNum type="arabicPeriod"/>
+              <a:tabLst>
+                <a:tab pos="457200" algn="l"/>
+              </a:tabLst>
+            </a:pPr>
+            <a:r>
+              <a:rPr lang="pt-BR" sz="1800" kern="100" dirty="0">
+                <a:effectLst/>
+                <a:latin typeface="Aptos" panose="020B0004020202020204" pitchFamily="34" charset="0"/>
+                <a:ea typeface="Aptos" panose="020B0004020202020204" pitchFamily="34" charset="0"/>
+                <a:cs typeface="Times New Roman" panose="02020603050405020304" pitchFamily="18" charset="0"/>
+              </a:rPr>
+              <a:t>Retorne a </a:t>
+            </a:r>
+            <a:r>
+              <a:rPr lang="pt-BR" sz="1800" kern="100" dirty="0" err="1">
+                <a:effectLst/>
+                <a:latin typeface="Aptos" panose="020B0004020202020204" pitchFamily="34" charset="0"/>
+                <a:ea typeface="Aptos" panose="020B0004020202020204" pitchFamily="34" charset="0"/>
+                <a:cs typeface="Times New Roman" panose="02020603050405020304" pitchFamily="18" charset="0"/>
+              </a:rPr>
+              <a:t>substring</a:t>
+            </a:r>
+            <a:r>
+              <a:rPr lang="pt-BR" sz="1800" kern="100" dirty="0">
+                <a:effectLst/>
+                <a:latin typeface="Aptos" panose="020B0004020202020204" pitchFamily="34" charset="0"/>
+                <a:ea typeface="Aptos" panose="020B0004020202020204" pitchFamily="34" charset="0"/>
+                <a:cs typeface="Times New Roman" panose="02020603050405020304" pitchFamily="18" charset="0"/>
+              </a:rPr>
+              <a:t> extraída.</a:t>
+            </a:r>
+          </a:p>
+          <a:p>
+            <a:endParaRPr lang="pt-BR" sz="4800" dirty="0"/>
           </a:p>
         </p:txBody>
       </p:sp>
     </p:spTree>
+    <p:extLst>
+      <p:ext uri="{BB962C8B-B14F-4D97-AF65-F5344CB8AC3E}">
+        <p14:creationId xmlns:p14="http://schemas.microsoft.com/office/powerpoint/2010/main" val="1150183208"/>
+      </p:ext>
+    </p:extLst>
   </p:cSld>
   <p:clrMapOvr>
     <a:masterClrMapping/>
@@ -3342,7 +3804,13 @@
       </p:grpSpPr>
       <p:sp>
         <p:nvSpPr>
-          <p:cNvPr id="2" name="Title 1"/>
+          <p:cNvPr id="2" name="Título 1">
+            <a:extLst>
+              <a:ext uri="{FF2B5EF4-FFF2-40B4-BE49-F238E27FC236}">
+                <a16:creationId xmlns:a16="http://schemas.microsoft.com/office/drawing/2014/main" id="{8697B095-1419-5CCA-C3B9-60377B68AF80}"/>
+              </a:ext>
+            </a:extLst>
+          </p:cNvPr>
           <p:cNvSpPr>
             <a:spLocks noGrp="1"/>
           </p:cNvSpPr>
@@ -3352,156 +3820,140 @@
         </p:nvSpPr>
         <p:spPr/>
         <p:txBody>
+          <a:bodyPr/>
+          <a:lstStyle/>
+          <a:p>
+            <a:r>
+              <a:rPr lang="pt-BR" dirty="0"/>
+              <a:t>Exercícios de </a:t>
+            </a:r>
+            <a:r>
+              <a:rPr lang="pt-BR" dirty="0" err="1"/>
+              <a:t>arrow</a:t>
+            </a:r>
+            <a:r>
+              <a:rPr lang="pt-BR" dirty="0"/>
+              <a:t> </a:t>
+            </a:r>
+            <a:r>
+              <a:rPr lang="pt-BR" dirty="0" err="1"/>
+              <a:t>function</a:t>
+            </a:r>
+            <a:endParaRPr lang="pt-BR" dirty="0"/>
+          </a:p>
+        </p:txBody>
+      </p:sp>
+      <p:sp>
+        <p:nvSpPr>
+          <p:cNvPr id="3" name="Espaço Reservado para Conteúdo 2">
+            <a:extLst>
+              <a:ext uri="{FF2B5EF4-FFF2-40B4-BE49-F238E27FC236}">
+                <a16:creationId xmlns:a16="http://schemas.microsoft.com/office/drawing/2014/main" id="{5A1FE4B3-6882-2BA1-4A1B-15817620A081}"/>
+              </a:ext>
+            </a:extLst>
+          </p:cNvPr>
+          <p:cNvSpPr>
+            <a:spLocks noGrp="1"/>
+          </p:cNvSpPr>
+          <p:nvPr>
+            <p:ph idx="1"/>
+          </p:nvPr>
+        </p:nvSpPr>
+        <p:spPr/>
+        <p:txBody>
           <a:bodyPr>
-            <a:normAutofit fontScale="90000"/>
+            <a:normAutofit fontScale="85000" lnSpcReduction="20000"/>
           </a:bodyPr>
           <a:lstStyle/>
           <a:p>
             <a:r>
-              <a:t>Manipulação de Vetores em JavaScript</a:t>
-            </a:r>
-          </a:p>
-        </p:txBody>
-      </p:sp>
-      <p:sp>
-        <p:nvSpPr>
-          <p:cNvPr id="3" name="Content Placeholder 2"/>
-          <p:cNvSpPr>
-            <a:spLocks noGrp="1"/>
-          </p:cNvSpPr>
-          <p:nvPr>
-            <p:ph idx="1"/>
-          </p:nvPr>
-        </p:nvSpPr>
-        <p:spPr/>
-        <p:txBody>
-          <a:bodyPr>
-            <a:normAutofit fontScale="77500" lnSpcReduction="20000"/>
-          </a:bodyPr>
-          <a:lstStyle/>
-          <a:p>
-            <a:r>
-              <a:rPr dirty="0" err="1"/>
-              <a:t>Definição</a:t>
-            </a:r>
-            <a:r>
-              <a:rPr dirty="0"/>
-              <a:t>:</a:t>
+              <a:rPr lang="pt-BR" sz="2400" dirty="0"/>
+              <a:t>Exercício 1: Verificar se um Número é Par </a:t>
             </a:r>
           </a:p>
           <a:p>
             <a:pPr lvl="1"/>
             <a:r>
-              <a:rPr dirty="0"/>
-              <a:t>- </a:t>
-            </a:r>
-            <a:r>
-              <a:rPr dirty="0" err="1"/>
-              <a:t>Estrutura</a:t>
-            </a:r>
-            <a:r>
-              <a:rPr dirty="0"/>
-              <a:t> de dados que </a:t>
-            </a:r>
-            <a:r>
-              <a:rPr dirty="0" err="1"/>
-              <a:t>armazena</a:t>
-            </a:r>
-            <a:r>
-              <a:rPr dirty="0"/>
-              <a:t> uma </a:t>
-            </a:r>
-            <a:r>
-              <a:rPr dirty="0" err="1"/>
-              <a:t>coleção</a:t>
-            </a:r>
-            <a:r>
-              <a:rPr dirty="0"/>
-              <a:t> de </a:t>
-            </a:r>
-            <a:r>
-              <a:rPr dirty="0" err="1"/>
-              <a:t>elementos</a:t>
-            </a:r>
-            <a:endParaRPr dirty="0"/>
-          </a:p>
-          <a:p>
-            <a:endParaRPr dirty="0"/>
-          </a:p>
-          <a:p>
-            <a:r>
-              <a:rPr dirty="0" err="1"/>
-              <a:t>Criação</a:t>
-            </a:r>
-            <a:r>
-              <a:rPr dirty="0"/>
-              <a:t>:</a:t>
+              <a:rPr lang="pt-BR" sz="2400" dirty="0"/>
+              <a:t>Crie uma função anônima que recebe um número como parâmetro e retorna `</a:t>
+            </a:r>
+            <a:r>
+              <a:rPr lang="pt-BR" sz="2400" dirty="0" err="1"/>
+              <a:t>true</a:t>
+            </a:r>
+            <a:r>
+              <a:rPr lang="pt-BR" sz="2400" dirty="0"/>
+              <a:t>` se o número for par, ou `false` se for ímpar. </a:t>
+            </a:r>
+          </a:p>
+          <a:p>
+            <a:r>
+              <a:rPr lang="pt-BR" sz="2400" dirty="0"/>
+              <a:t>Exercício 2: Calcular o Fatorial de um Número </a:t>
             </a:r>
           </a:p>
           <a:p>
             <a:pPr lvl="1"/>
             <a:r>
-              <a:rPr dirty="0"/>
-              <a:t>var array = [1, 2, 3, 4, 5];</a:t>
-            </a:r>
-          </a:p>
-          <a:p>
-            <a:endParaRPr dirty="0"/>
-          </a:p>
-          <a:p>
-            <a:r>
-              <a:rPr dirty="0" err="1"/>
-              <a:t>Métodos</a:t>
-            </a:r>
-            <a:r>
-              <a:rPr dirty="0"/>
-              <a:t> </a:t>
-            </a:r>
-            <a:r>
-              <a:rPr dirty="0" err="1"/>
-              <a:t>Comuns</a:t>
-            </a:r>
-            <a:r>
-              <a:rPr dirty="0"/>
-              <a:t>:</a:t>
+              <a:rPr lang="pt-BR" sz="2400" dirty="0"/>
+              <a:t>Crie uma função anônima que recebe um número como parâmetro e retorna o fatorial desse número. </a:t>
+            </a:r>
+          </a:p>
+          <a:p>
+            <a:r>
+              <a:rPr lang="pt-BR" sz="2400" dirty="0"/>
+              <a:t>Exercício 3: Calcular a Potência de um Número </a:t>
             </a:r>
           </a:p>
           <a:p>
             <a:pPr lvl="1"/>
             <a:r>
-              <a:rPr dirty="0"/>
-              <a:t>- map</a:t>
+              <a:rPr lang="pt-BR" sz="2400" dirty="0"/>
+              <a:t>Crie uma função anônima que recebe dois números, `base` e `expoente`, e retorna o resultado de `base` elevado à `expoente`. </a:t>
+            </a:r>
+          </a:p>
+          <a:p>
+            <a:r>
+              <a:rPr lang="pt-BR" sz="2400" dirty="0"/>
+              <a:t>Exercício 4: Verificar se um Número é Primo </a:t>
             </a:r>
           </a:p>
           <a:p>
             <a:pPr lvl="1"/>
             <a:r>
-              <a:rPr dirty="0"/>
-              <a:t>- filter</a:t>
+              <a:rPr lang="pt-BR" sz="2400" dirty="0"/>
+              <a:t>Crie uma função anônima que recebe um número como parâmetro e retorna `</a:t>
+            </a:r>
+            <a:r>
+              <a:rPr lang="pt-BR" sz="2400" dirty="0" err="1"/>
+              <a:t>true</a:t>
+            </a:r>
+            <a:r>
+              <a:rPr lang="pt-BR" sz="2400" dirty="0"/>
+              <a:t>` se o número for primo, ou `false</a:t>
+            </a:r>
+          </a:p>
+          <a:p>
+            <a:r>
+              <a:rPr lang="pt-BR" sz="2400" dirty="0"/>
+              <a:t>Exercício 5: Converter Graus Celsius para Fahrenheit </a:t>
             </a:r>
           </a:p>
           <a:p>
             <a:pPr lvl="1"/>
             <a:r>
-              <a:rPr dirty="0"/>
-              <a:t>- reduce</a:t>
-            </a:r>
-          </a:p>
-          <a:p>
-            <a:pPr lvl="1"/>
-            <a:r>
-              <a:rPr dirty="0"/>
-              <a:t>- </a:t>
-            </a:r>
-            <a:r>
-              <a:rPr dirty="0" err="1"/>
-              <a:t>forEach</a:t>
-            </a:r>
-            <a:endParaRPr dirty="0"/>
+              <a:rPr lang="pt-BR" sz="2400" dirty="0"/>
+              <a:t>Crie uma função anônima que recebe uma temperatura em graus Celsius e a converte para Fahrenheit.</a:t>
+            </a:r>
           </a:p>
         </p:txBody>
       </p:sp>
     </p:spTree>
+    <p:extLst>
+      <p:ext uri="{BB962C8B-B14F-4D97-AF65-F5344CB8AC3E}">
+        <p14:creationId xmlns:p14="http://schemas.microsoft.com/office/powerpoint/2010/main" val="3745668989"/>
+      </p:ext>
+    </p:extLst>
   </p:cSld>
   <p:clrMapOvr>
     <a:masterClrMapping/>
@@ -3528,7 +3980,13 @@
       </p:grpSpPr>
       <p:sp>
         <p:nvSpPr>
-          <p:cNvPr id="2" name="Title 1"/>
+          <p:cNvPr id="2" name="Título 1">
+            <a:extLst>
+              <a:ext uri="{FF2B5EF4-FFF2-40B4-BE49-F238E27FC236}">
+                <a16:creationId xmlns:a16="http://schemas.microsoft.com/office/drawing/2014/main" id="{BB83F5DE-5126-FDFD-7931-6B7BE35A6954}"/>
+              </a:ext>
+            </a:extLst>
+          </p:cNvPr>
           <p:cNvSpPr>
             <a:spLocks noGrp="1"/>
           </p:cNvSpPr>
@@ -3538,159 +3996,132 @@
         </p:nvSpPr>
         <p:spPr/>
         <p:txBody>
+          <a:bodyPr/>
+          <a:lstStyle/>
+          <a:p>
+            <a:r>
+              <a:rPr lang="pt-BR" dirty="0"/>
+              <a:t>Exercícios de </a:t>
+            </a:r>
+            <a:r>
+              <a:rPr lang="pt-BR" dirty="0" err="1"/>
+              <a:t>arrow</a:t>
+            </a:r>
+            <a:r>
+              <a:rPr lang="pt-BR" dirty="0"/>
+              <a:t> </a:t>
+            </a:r>
+            <a:r>
+              <a:rPr lang="pt-BR" dirty="0" err="1"/>
+              <a:t>function</a:t>
+            </a:r>
+            <a:endParaRPr lang="pt-BR" dirty="0"/>
+          </a:p>
+        </p:txBody>
+      </p:sp>
+      <p:sp>
+        <p:nvSpPr>
+          <p:cNvPr id="3" name="Espaço Reservado para Conteúdo 2">
+            <a:extLst>
+              <a:ext uri="{FF2B5EF4-FFF2-40B4-BE49-F238E27FC236}">
+                <a16:creationId xmlns:a16="http://schemas.microsoft.com/office/drawing/2014/main" id="{2CAF6807-7EE1-7B8B-8815-D609E05D7E28}"/>
+              </a:ext>
+            </a:extLst>
+          </p:cNvPr>
+          <p:cNvSpPr>
+            <a:spLocks noGrp="1"/>
+          </p:cNvSpPr>
+          <p:nvPr>
+            <p:ph idx="1"/>
+          </p:nvPr>
+        </p:nvSpPr>
+        <p:spPr/>
+        <p:txBody>
           <a:bodyPr>
-            <a:normAutofit fontScale="90000"/>
+            <a:normAutofit fontScale="92500" lnSpcReduction="10000"/>
           </a:bodyPr>
           <a:lstStyle/>
           <a:p>
             <a:r>
-              <a:t>Exemplo: Usando map com Arrow Function</a:t>
-            </a:r>
-          </a:p>
-        </p:txBody>
-      </p:sp>
-      <p:sp>
-        <p:nvSpPr>
-          <p:cNvPr id="3" name="Content Placeholder 2"/>
-          <p:cNvSpPr>
-            <a:spLocks noGrp="1"/>
-          </p:cNvSpPr>
-          <p:nvPr>
-            <p:ph idx="1"/>
-          </p:nvPr>
-        </p:nvSpPr>
-        <p:spPr/>
-        <p:txBody>
-          <a:bodyPr>
-            <a:normAutofit fontScale="85000" lnSpcReduction="20000"/>
-          </a:bodyPr>
-          <a:lstStyle/>
-          <a:p>
-            <a:r>
-              <a:rPr dirty="0"/>
-              <a:t>Código:</a:t>
-            </a:r>
-          </a:p>
-          <a:p>
-            <a:r>
-              <a:rPr dirty="0"/>
-              <a:t>// ES5</a:t>
-            </a:r>
-          </a:p>
-          <a:p>
-            <a:pPr marL="0" indent="0">
-              <a:buNone/>
-            </a:pPr>
-            <a:r>
-              <a:rPr dirty="0"/>
-              <a:t>var </a:t>
-            </a:r>
-            <a:r>
-              <a:rPr dirty="0" err="1"/>
-              <a:t>numeros</a:t>
-            </a:r>
-            <a:r>
-              <a:rPr dirty="0"/>
-              <a:t> = [1, 2, 3];</a:t>
-            </a:r>
-          </a:p>
-          <a:p>
-            <a:pPr marL="0" indent="0">
-              <a:buNone/>
-            </a:pPr>
-            <a:r>
-              <a:rPr dirty="0"/>
-              <a:t>var </a:t>
-            </a:r>
-            <a:r>
-              <a:rPr dirty="0" err="1"/>
-              <a:t>dobrados</a:t>
-            </a:r>
-            <a:r>
-              <a:rPr dirty="0"/>
-              <a:t> = </a:t>
-            </a:r>
-            <a:r>
-              <a:rPr dirty="0" err="1"/>
-              <a:t>numeros.map</a:t>
-            </a:r>
-            <a:r>
-              <a:rPr dirty="0"/>
-              <a:t>(function(n) {</a:t>
-            </a:r>
-          </a:p>
-          <a:p>
-            <a:pPr marL="0" indent="0">
-              <a:buNone/>
-            </a:pPr>
-            <a:r>
-              <a:rPr dirty="0"/>
-              <a:t>    return n * 2;</a:t>
-            </a:r>
-          </a:p>
-          <a:p>
-            <a:pPr marL="0" indent="0">
-              <a:buNone/>
-            </a:pPr>
-            <a:r>
-              <a:rPr dirty="0"/>
-              <a:t>});</a:t>
-            </a:r>
-          </a:p>
-          <a:p>
-            <a:endParaRPr dirty="0"/>
-          </a:p>
-          <a:p>
-            <a:r>
-              <a:rPr dirty="0"/>
-              <a:t>// ES6</a:t>
-            </a:r>
-          </a:p>
-          <a:p>
-            <a:pPr marL="0" indent="0">
-              <a:buNone/>
-            </a:pPr>
-            <a:r>
-              <a:rPr dirty="0"/>
-              <a:t>const </a:t>
-            </a:r>
-            <a:r>
-              <a:rPr dirty="0" err="1"/>
-              <a:t>numeros</a:t>
-            </a:r>
-            <a:r>
-              <a:rPr dirty="0"/>
-              <a:t> = [1, 2, 3];</a:t>
-            </a:r>
-          </a:p>
-          <a:p>
-            <a:pPr marL="0" indent="0">
-              <a:buNone/>
-            </a:pPr>
-            <a:r>
-              <a:rPr dirty="0"/>
-              <a:t>const </a:t>
-            </a:r>
-            <a:r>
-              <a:rPr dirty="0" err="1"/>
-              <a:t>dobrados</a:t>
-            </a:r>
-            <a:r>
-              <a:rPr dirty="0"/>
-              <a:t> = </a:t>
-            </a:r>
-            <a:r>
-              <a:rPr dirty="0" err="1"/>
-              <a:t>numeros.map</a:t>
-            </a:r>
-            <a:r>
-              <a:rPr dirty="0"/>
-              <a:t>(n =&gt; n * 2);</a:t>
+              <a:rPr lang="pt-BR" sz="2400" dirty="0"/>
+              <a:t>Exercício 1: Calcular a Média de Três Números</a:t>
+            </a:r>
+          </a:p>
+          <a:p>
+            <a:pPr lvl="1"/>
+            <a:r>
+              <a:rPr lang="pt-BR" sz="1800" dirty="0"/>
+              <a:t>Crie uma função anônima que recebe três números como parâmetros e retorna a média desses números.</a:t>
+            </a:r>
+          </a:p>
+          <a:p>
+            <a:r>
+              <a:rPr lang="pt-BR" sz="2400" dirty="0"/>
+              <a:t>Exercício 2: Calcular a Área de um Retângulo</a:t>
+            </a:r>
+          </a:p>
+          <a:p>
+            <a:pPr lvl="1"/>
+            <a:r>
+              <a:rPr lang="pt-BR" sz="1800" dirty="0"/>
+              <a:t>Crie uma função anônima que recebe a largura e a altura de um retângulo e retorna a área.</a:t>
+            </a:r>
+          </a:p>
+          <a:p>
+            <a:r>
+              <a:rPr lang="pt-BR" sz="2400" dirty="0"/>
+              <a:t>Exercício 3: Verificar se um Número está em um Intervalo</a:t>
+            </a:r>
+          </a:p>
+          <a:p>
+            <a:pPr lvl="1"/>
+            <a:r>
+              <a:rPr lang="pt-BR" sz="1800" dirty="0"/>
+              <a:t>Crie uma função anônima que recebe três números: `numero`, `inicio`, e `fim`. A função deve retornar `</a:t>
+            </a:r>
+            <a:r>
+              <a:rPr lang="pt-BR" sz="1800" dirty="0" err="1"/>
+              <a:t>true</a:t>
+            </a:r>
+            <a:r>
+              <a:rPr lang="pt-BR" sz="1800" dirty="0"/>
+              <a:t>` se o `numero` estiver entre `inicio` e `fim`, inclusive, ou `false` caso contrário.</a:t>
+            </a:r>
+          </a:p>
+          <a:p>
+            <a:r>
+              <a:rPr lang="pt-BR" sz="2400" dirty="0"/>
+              <a:t>Exercício 4: Calcular o Maior de Três Números</a:t>
+            </a:r>
+          </a:p>
+          <a:p>
+            <a:pPr lvl="1"/>
+            <a:r>
+              <a:rPr lang="pt-BR" sz="1800" dirty="0"/>
+              <a:t>Crie uma função anônima que recebe três números e retorna o maior deles.</a:t>
+            </a:r>
+          </a:p>
+          <a:p>
+            <a:r>
+              <a:rPr lang="pt-BR" sz="2400" dirty="0"/>
+              <a:t>Exercício 5: Calcular a Soma dos Números ao Quadrado</a:t>
+            </a:r>
+          </a:p>
+          <a:p>
+            <a:pPr lvl="1"/>
+            <a:r>
+              <a:rPr lang="pt-BR" sz="1800" dirty="0"/>
+              <a:t>Crie uma função anônima que recebe dois números e retorna a soma dos quadrados desses números</a:t>
             </a:r>
           </a:p>
         </p:txBody>
       </p:sp>
     </p:spTree>
+    <p:extLst>
+      <p:ext uri="{BB962C8B-B14F-4D97-AF65-F5344CB8AC3E}">
+        <p14:creationId xmlns:p14="http://schemas.microsoft.com/office/powerpoint/2010/main" val="1129571365"/>
+      </p:ext>
+    </p:extLst>
   </p:cSld>
   <p:clrMapOvr>
     <a:masterClrMapping/>
@@ -3717,7 +4148,13 @@
       </p:grpSpPr>
       <p:sp>
         <p:nvSpPr>
-          <p:cNvPr id="2" name="Title 1"/>
+          <p:cNvPr id="2" name="Título 1">
+            <a:extLst>
+              <a:ext uri="{FF2B5EF4-FFF2-40B4-BE49-F238E27FC236}">
+                <a16:creationId xmlns:a16="http://schemas.microsoft.com/office/drawing/2014/main" id="{954E949F-C190-B9E0-E8A3-1C6002E79D3C}"/>
+              </a:ext>
+            </a:extLst>
+          </p:cNvPr>
           <p:cNvSpPr>
             <a:spLocks noGrp="1"/>
           </p:cNvSpPr>
@@ -3727,20 +4164,38 @@
         </p:nvSpPr>
         <p:spPr/>
         <p:txBody>
-          <a:bodyPr>
-            <a:normAutofit fontScale="90000"/>
-          </a:bodyPr>
-          <a:lstStyle/>
-          <a:p>
-            <a:r>
-              <a:t>Exemplo: Usando filter com Arrow Function</a:t>
-            </a:r>
-          </a:p>
-        </p:txBody>
-      </p:sp>
-      <p:sp>
-        <p:nvSpPr>
-          <p:cNvPr id="3" name="Content Placeholder 2"/>
+          <a:bodyPr/>
+          <a:lstStyle/>
+          <a:p>
+            <a:r>
+              <a:rPr lang="pt-BR" dirty="0"/>
+              <a:t>Exercícios de </a:t>
+            </a:r>
+            <a:r>
+              <a:rPr lang="pt-BR" dirty="0" err="1"/>
+              <a:t>arrow</a:t>
+            </a:r>
+            <a:r>
+              <a:rPr lang="pt-BR" dirty="0"/>
+              <a:t> </a:t>
+            </a:r>
+            <a:r>
+              <a:rPr lang="pt-BR" dirty="0" err="1"/>
+              <a:t>function</a:t>
+            </a:r>
+            <a:endParaRPr lang="pt-BR" dirty="0"/>
+          </a:p>
+        </p:txBody>
+      </p:sp>
+      <p:sp>
+        <p:nvSpPr>
+          <p:cNvPr id="3" name="Espaço Reservado para Conteúdo 2">
+            <a:extLst>
+              <a:ext uri="{FF2B5EF4-FFF2-40B4-BE49-F238E27FC236}">
+                <a16:creationId xmlns:a16="http://schemas.microsoft.com/office/drawing/2014/main" id="{F0FABAA8-7E5C-D84D-2720-8AB0621E61B0}"/>
+              </a:ext>
+            </a:extLst>
+          </p:cNvPr>
           <p:cNvSpPr>
             <a:spLocks noGrp="1"/>
           </p:cNvSpPr>
@@ -3756,114 +4211,67 @@
           <a:lstStyle/>
           <a:p>
             <a:r>
-              <a:rPr dirty="0"/>
-              <a:t>Código:</a:t>
-            </a:r>
-          </a:p>
-          <a:p>
-            <a:r>
-              <a:rPr dirty="0"/>
-              <a:t>// ES5</a:t>
-            </a:r>
-          </a:p>
-          <a:p>
-            <a:pPr marL="0" indent="0">
-              <a:buNone/>
-            </a:pPr>
-            <a:r>
-              <a:rPr dirty="0"/>
-              <a:t>var </a:t>
-            </a:r>
-            <a:r>
-              <a:rPr dirty="0" err="1"/>
-              <a:t>numeros</a:t>
-            </a:r>
-            <a:r>
-              <a:rPr dirty="0"/>
-              <a:t> = [1, 2, 3, 4];</a:t>
-            </a:r>
-          </a:p>
-          <a:p>
-            <a:pPr marL="0" indent="0">
-              <a:buNone/>
-            </a:pPr>
-            <a:r>
-              <a:rPr dirty="0"/>
-              <a:t>var pares = </a:t>
-            </a:r>
-            <a:r>
-              <a:rPr dirty="0" err="1"/>
-              <a:t>numeros.filter</a:t>
-            </a:r>
-            <a:r>
-              <a:rPr dirty="0"/>
-              <a:t>(function(n) {</a:t>
-            </a:r>
-          </a:p>
-          <a:p>
-            <a:pPr marL="0" indent="0">
-              <a:buNone/>
-            </a:pPr>
-            <a:r>
-              <a:rPr dirty="0"/>
-              <a:t>    return n % 2 === 0;</a:t>
-            </a:r>
-          </a:p>
-          <a:p>
-            <a:pPr marL="0" indent="0">
-              <a:buNone/>
-            </a:pPr>
-            <a:r>
-              <a:rPr dirty="0"/>
-              <a:t>});</a:t>
-            </a:r>
-          </a:p>
-          <a:p>
-            <a:endParaRPr dirty="0"/>
-          </a:p>
-          <a:p>
-            <a:r>
-              <a:rPr dirty="0"/>
-              <a:t>// ES6</a:t>
-            </a:r>
-          </a:p>
-          <a:p>
-            <a:pPr marL="0" indent="0">
-              <a:buNone/>
-            </a:pPr>
-            <a:r>
-              <a:rPr dirty="0"/>
-              <a:t>const </a:t>
-            </a:r>
-            <a:r>
-              <a:rPr dirty="0" err="1"/>
-              <a:t>numeros</a:t>
-            </a:r>
-            <a:r>
-              <a:rPr dirty="0"/>
-              <a:t> = [1, 2, 3, 4];</a:t>
-            </a:r>
-          </a:p>
-          <a:p>
-            <a:pPr marL="0" indent="0">
-              <a:buNone/>
-            </a:pPr>
-            <a:r>
-              <a:rPr dirty="0"/>
-              <a:t>const pares = </a:t>
-            </a:r>
-            <a:r>
-              <a:rPr dirty="0" err="1"/>
-              <a:t>numeros.filter</a:t>
-            </a:r>
-            <a:r>
-              <a:rPr dirty="0"/>
-              <a:t>(n =&gt; n % 2 === 0);</a:t>
+              <a:rPr lang="pt-BR" dirty="0"/>
+              <a:t>Exercício 6: Verificar se Todos os Parâmetros são Verdadeiros </a:t>
+            </a:r>
+          </a:p>
+          <a:p>
+            <a:pPr lvl="1"/>
+            <a:r>
+              <a:rPr lang="pt-BR" dirty="0"/>
+              <a:t>Crie uma função anônima que recebe três parâmetros booleanos (`a`, `b`, `c`) e retorna `</a:t>
+            </a:r>
+            <a:r>
+              <a:rPr lang="pt-BR" dirty="0" err="1"/>
+              <a:t>true</a:t>
+            </a:r>
+            <a:r>
+              <a:rPr lang="pt-BR" dirty="0"/>
+              <a:t>` se todos forem verdadeiros, ou `false` caso contrário. </a:t>
+            </a:r>
+          </a:p>
+          <a:p>
+            <a:r>
+              <a:rPr lang="pt-BR" dirty="0"/>
+              <a:t>Exercício 7: Calcular o Produto de Quatro Números</a:t>
+            </a:r>
+          </a:p>
+          <a:p>
+            <a:pPr lvl="1"/>
+            <a:r>
+              <a:rPr lang="pt-BR" dirty="0"/>
+              <a:t>Crie uma função anônima que recebe quatro números e retorna o produto desses números. </a:t>
+            </a:r>
+          </a:p>
+          <a:p>
+            <a:r>
+              <a:rPr lang="pt-BR" dirty="0"/>
+              <a:t>Exercício 8: Verificar se a Soma de Dois Números é Par ou Ímpar </a:t>
+            </a:r>
+          </a:p>
+          <a:p>
+            <a:pPr lvl="1"/>
+            <a:r>
+              <a:rPr lang="pt-BR" dirty="0"/>
+              <a:t>Crie uma função anônima que recebe dois números e retorna uma </a:t>
+            </a:r>
+            <a:r>
+              <a:rPr lang="pt-BR" dirty="0" err="1"/>
+              <a:t>string</a:t>
+            </a:r>
+            <a:r>
+              <a:rPr lang="pt-BR" dirty="0"/>
+              <a:t> indicando se a soma desses números é "Par" ou "Ímpar".</a:t>
             </a:r>
           </a:p>
         </p:txBody>
       </p:sp>
     </p:spTree>
+    <p:extLst>
+      <p:ext uri="{BB962C8B-B14F-4D97-AF65-F5344CB8AC3E}">
+        <p14:creationId xmlns:p14="http://schemas.microsoft.com/office/powerpoint/2010/main" val="684210148"/>
+      </p:ext>
+    </p:extLst>
   </p:cSld>
   <p:clrMapOvr>
     <a:masterClrMapping/>
@@ -3906,7 +4314,7 @@
           <a:lstStyle/>
           <a:p>
             <a:r>
-              <a:t>Exemplo: Usando reduce com Arrow Function</a:t>
+              <a:t>Manipulação de Vetores em JavaScript</a:t>
             </a:r>
           </a:p>
         </p:txBody>
@@ -3924,115 +4332,128 @@
         <p:spPr/>
         <p:txBody>
           <a:bodyPr>
-            <a:normAutofit fontScale="85000" lnSpcReduction="20000"/>
+            <a:normAutofit fontScale="77500" lnSpcReduction="20000"/>
           </a:bodyPr>
           <a:lstStyle/>
           <a:p>
             <a:r>
-              <a:rPr dirty="0"/>
-              <a:t>Código:</a:t>
-            </a:r>
-          </a:p>
-          <a:p>
-            <a:r>
-              <a:rPr dirty="0"/>
-              <a:t>// ES5</a:t>
-            </a:r>
-          </a:p>
-          <a:p>
-            <a:pPr marL="0" indent="0">
-              <a:buNone/>
-            </a:pPr>
-            <a:r>
-              <a:rPr dirty="0"/>
-              <a:t>var </a:t>
-            </a:r>
-            <a:r>
               <a:rPr dirty="0" err="1"/>
-              <a:t>numeros</a:t>
-            </a:r>
-            <a:r>
-              <a:rPr dirty="0"/>
-              <a:t> = [1, 2, 3, 4];</a:t>
-            </a:r>
-          </a:p>
-          <a:p>
-            <a:pPr marL="0" indent="0">
-              <a:buNone/>
-            </a:pPr>
-            <a:r>
-              <a:rPr dirty="0"/>
-              <a:t>var soma = </a:t>
+              <a:t>Definição</a:t>
+            </a:r>
+            <a:r>
+              <a:rPr dirty="0"/>
+              <a:t>:</a:t>
+            </a:r>
+          </a:p>
+          <a:p>
+            <a:pPr lvl="1"/>
+            <a:r>
+              <a:rPr dirty="0"/>
+              <a:t>- </a:t>
             </a:r>
             <a:r>
               <a:rPr dirty="0" err="1"/>
-              <a:t>numeros.reduce</a:t>
-            </a:r>
-            <a:r>
-              <a:rPr dirty="0"/>
-              <a:t>(function(total, n) {</a:t>
-            </a:r>
-          </a:p>
-          <a:p>
-            <a:pPr marL="0" indent="0">
-              <a:buNone/>
-            </a:pPr>
-            <a:r>
-              <a:rPr dirty="0"/>
-              <a:t>    return total + n;</a:t>
-            </a:r>
-          </a:p>
-          <a:p>
-            <a:pPr marL="0" indent="0">
-              <a:buNone/>
-            </a:pPr>
-            <a:r>
-              <a:rPr dirty="0"/>
-              <a:t>}, 0);</a:t>
-            </a:r>
-          </a:p>
-          <a:p>
+              <a:t>Estrutura</a:t>
+            </a:r>
+            <a:r>
+              <a:rPr dirty="0"/>
+              <a:t> de dados que </a:t>
+            </a:r>
+            <a:r>
+              <a:rPr dirty="0" err="1"/>
+              <a:t>armazena</a:t>
+            </a:r>
+            <a:r>
+              <a:rPr dirty="0"/>
+              <a:t> uma </a:t>
+            </a:r>
+            <a:r>
+              <a:rPr dirty="0" err="1"/>
+              <a:t>coleção</a:t>
+            </a:r>
+            <a:r>
+              <a:rPr dirty="0"/>
+              <a:t> de </a:t>
+            </a:r>
+            <a:r>
+              <a:rPr dirty="0" err="1"/>
+              <a:t>elementos</a:t>
+            </a:r>
             <a:endParaRPr dirty="0"/>
           </a:p>
           <a:p>
-            <a:r>
-              <a:rPr dirty="0"/>
-              <a:t>// ES6</a:t>
-            </a:r>
-          </a:p>
-          <a:p>
-            <a:pPr marL="0" indent="0">
-              <a:buNone/>
-            </a:pPr>
-            <a:r>
-              <a:rPr dirty="0"/>
-              <a:t>const </a:t>
-            </a:r>
+            <a:endParaRPr dirty="0"/>
+          </a:p>
+          <a:p>
             <a:r>
               <a:rPr dirty="0" err="1"/>
-              <a:t>numeros</a:t>
-            </a:r>
-            <a:r>
-              <a:rPr dirty="0"/>
-              <a:t> = [1, 2, 3, 4];</a:t>
-            </a:r>
-          </a:p>
-          <a:p>
-            <a:pPr marL="0" indent="0">
-              <a:buNone/>
-            </a:pPr>
-            <a:r>
-              <a:rPr dirty="0"/>
-              <a:t>const soma = </a:t>
-            </a:r>
+              <a:t>Criação</a:t>
+            </a:r>
+            <a:r>
+              <a:rPr dirty="0"/>
+              <a:t>:</a:t>
+            </a:r>
+          </a:p>
+          <a:p>
+            <a:pPr lvl="1"/>
+            <a:r>
+              <a:rPr dirty="0"/>
+              <a:t>var array = [1, 2, 3, 4, 5];</a:t>
+            </a:r>
+          </a:p>
+          <a:p>
+            <a:endParaRPr dirty="0"/>
+          </a:p>
+          <a:p>
             <a:r>
               <a:rPr dirty="0" err="1"/>
-              <a:t>numeros.reduce</a:t>
-            </a:r>
-            <a:r>
-              <a:rPr dirty="0"/>
-              <a:t>((total, n) =&gt; total + n, 0);</a:t>
-            </a:r>
+              <a:t>Métodos</a:t>
+            </a:r>
+            <a:r>
+              <a:rPr dirty="0"/>
+              <a:t> </a:t>
+            </a:r>
+            <a:r>
+              <a:rPr dirty="0" err="1"/>
+              <a:t>Comuns</a:t>
+            </a:r>
+            <a:r>
+              <a:rPr dirty="0"/>
+              <a:t>:</a:t>
+            </a:r>
+          </a:p>
+          <a:p>
+            <a:pPr lvl="1"/>
+            <a:r>
+              <a:rPr dirty="0"/>
+              <a:t>- map</a:t>
+            </a:r>
+          </a:p>
+          <a:p>
+            <a:pPr lvl="1"/>
+            <a:r>
+              <a:rPr dirty="0"/>
+              <a:t>- filter</a:t>
+            </a:r>
+          </a:p>
+          <a:p>
+            <a:pPr lvl="1"/>
+            <a:r>
+              <a:rPr dirty="0"/>
+              <a:t>- reduce</a:t>
+            </a:r>
+          </a:p>
+          <a:p>
+            <a:pPr lvl="1"/>
+            <a:r>
+              <a:rPr dirty="0"/>
+              <a:t>- </a:t>
+            </a:r>
+            <a:r>
+              <a:rPr dirty="0" err="1"/>
+              <a:t>forEach</a:t>
+            </a:r>
+            <a:endParaRPr dirty="0"/>
           </a:p>
         </p:txBody>
       </p:sp>
@@ -4073,11 +4494,13 @@
         </p:nvSpPr>
         <p:spPr/>
         <p:txBody>
-          <a:bodyPr/>
-          <a:lstStyle/>
-          <a:p>
-            <a:r>
-              <a:t>Perguntas e Respostas</a:t>
+          <a:bodyPr>
+            <a:normAutofit fontScale="90000"/>
+          </a:bodyPr>
+          <a:lstStyle/>
+          <a:p>
+            <a:r>
+              <a:t>Exemplo: Usando map com Arrow Function</a:t>
             </a:r>
           </a:p>
         </p:txBody>
@@ -4094,21 +4517,131 @@
         </p:nvSpPr>
         <p:spPr/>
         <p:txBody>
-          <a:bodyPr/>
-          <a:lstStyle/>
-          <a:p>
-            <a:r>
-              <a:t>Sessão de dúvidas:</a:t>
-            </a:r>
-          </a:p>
-          <a:p>
-            <a:r>
-              <a:t>- Aprofundamento nos tópicos abordados</a:t>
-            </a:r>
-          </a:p>
-          <a:p>
-            <a:r>
-              <a:t>- Resolução de exemplos adicionais</a:t>
+          <a:bodyPr>
+            <a:normAutofit fontScale="85000" lnSpcReduction="20000"/>
+          </a:bodyPr>
+          <a:lstStyle/>
+          <a:p>
+            <a:r>
+              <a:rPr dirty="0"/>
+              <a:t>Código:</a:t>
+            </a:r>
+          </a:p>
+          <a:p>
+            <a:r>
+              <a:rPr dirty="0"/>
+              <a:t>// ES5</a:t>
+            </a:r>
+          </a:p>
+          <a:p>
+            <a:pPr marL="0" indent="0">
+              <a:buNone/>
+            </a:pPr>
+            <a:r>
+              <a:rPr dirty="0"/>
+              <a:t>var </a:t>
+            </a:r>
+            <a:r>
+              <a:rPr dirty="0" err="1"/>
+              <a:t>numeros</a:t>
+            </a:r>
+            <a:r>
+              <a:rPr dirty="0"/>
+              <a:t> = [1, 2, 3];</a:t>
+            </a:r>
+          </a:p>
+          <a:p>
+            <a:pPr marL="0" indent="0">
+              <a:buNone/>
+            </a:pPr>
+            <a:r>
+              <a:rPr dirty="0"/>
+              <a:t>var </a:t>
+            </a:r>
+            <a:r>
+              <a:rPr dirty="0" err="1"/>
+              <a:t>dobrados</a:t>
+            </a:r>
+            <a:r>
+              <a:rPr dirty="0"/>
+              <a:t> = </a:t>
+            </a:r>
+            <a:r>
+              <a:rPr dirty="0" err="1"/>
+              <a:t>numeros.map</a:t>
+            </a:r>
+            <a:r>
+              <a:rPr dirty="0"/>
+              <a:t>(function(n) {</a:t>
+            </a:r>
+          </a:p>
+          <a:p>
+            <a:pPr marL="0" indent="0">
+              <a:buNone/>
+            </a:pPr>
+            <a:r>
+              <a:rPr dirty="0"/>
+              <a:t>    return n * 2;</a:t>
+            </a:r>
+          </a:p>
+          <a:p>
+            <a:pPr marL="0" indent="0">
+              <a:buNone/>
+            </a:pPr>
+            <a:r>
+              <a:rPr dirty="0"/>
+              <a:t>});</a:t>
+            </a:r>
+          </a:p>
+          <a:p>
+            <a:endParaRPr dirty="0"/>
+          </a:p>
+          <a:p>
+            <a:r>
+              <a:rPr dirty="0"/>
+              <a:t>// ES6</a:t>
+            </a:r>
+          </a:p>
+          <a:p>
+            <a:pPr marL="0" indent="0">
+              <a:buNone/>
+            </a:pPr>
+            <a:r>
+              <a:rPr dirty="0"/>
+              <a:t>const </a:t>
+            </a:r>
+            <a:r>
+              <a:rPr dirty="0" err="1"/>
+              <a:t>numeros</a:t>
+            </a:r>
+            <a:r>
+              <a:rPr dirty="0"/>
+              <a:t> = [1, 2, 3];</a:t>
+            </a:r>
+          </a:p>
+          <a:p>
+            <a:pPr marL="0" indent="0">
+              <a:buNone/>
+            </a:pPr>
+            <a:r>
+              <a:rPr dirty="0"/>
+              <a:t>const </a:t>
+            </a:r>
+            <a:r>
+              <a:rPr dirty="0" err="1"/>
+              <a:t>dobrados</a:t>
+            </a:r>
+            <a:r>
+              <a:rPr dirty="0"/>
+              <a:t> = </a:t>
+            </a:r>
+            <a:r>
+              <a:rPr dirty="0" err="1"/>
+              <a:t>numeros.map</a:t>
+            </a:r>
+            <a:r>
+              <a:rPr dirty="0"/>
+              <a:t>(n =&gt; n * 2);</a:t>
             </a:r>
           </a:p>
         </p:txBody>
@@ -4140,6 +4673,342 @@
       </p:grpSpPr>
       <p:sp>
         <p:nvSpPr>
+          <p:cNvPr id="2" name="Título 1">
+            <a:extLst>
+              <a:ext uri="{FF2B5EF4-FFF2-40B4-BE49-F238E27FC236}">
+                <a16:creationId xmlns:a16="http://schemas.microsoft.com/office/drawing/2014/main" id="{37D741DB-ED94-DB4B-5883-18058F387A11}"/>
+              </a:ext>
+            </a:extLst>
+          </p:cNvPr>
+          <p:cNvSpPr>
+            <a:spLocks noGrp="1"/>
+          </p:cNvSpPr>
+          <p:nvPr>
+            <p:ph type="title"/>
+          </p:nvPr>
+        </p:nvSpPr>
+        <p:spPr/>
+        <p:txBody>
+          <a:bodyPr/>
+          <a:lstStyle/>
+          <a:p>
+            <a:r>
+              <a:rPr lang="pt-BR" dirty="0"/>
+              <a:t>Exercícios com Map</a:t>
+            </a:r>
+          </a:p>
+        </p:txBody>
+      </p:sp>
+      <p:sp>
+        <p:nvSpPr>
+          <p:cNvPr id="3" name="Espaço Reservado para Conteúdo 2">
+            <a:extLst>
+              <a:ext uri="{FF2B5EF4-FFF2-40B4-BE49-F238E27FC236}">
+                <a16:creationId xmlns:a16="http://schemas.microsoft.com/office/drawing/2014/main" id="{1F6D7206-2F60-46AB-1DCC-02EE1A7D8246}"/>
+              </a:ext>
+            </a:extLst>
+          </p:cNvPr>
+          <p:cNvSpPr>
+            <a:spLocks noGrp="1"/>
+          </p:cNvSpPr>
+          <p:nvPr>
+            <p:ph idx="1"/>
+          </p:nvPr>
+        </p:nvSpPr>
+        <p:spPr/>
+        <p:txBody>
+          <a:bodyPr>
+            <a:normAutofit fontScale="92500" lnSpcReduction="20000"/>
+          </a:bodyPr>
+          <a:lstStyle/>
+          <a:p>
+            <a:r>
+              <a:rPr lang="pt-BR" dirty="0"/>
+              <a:t>Ex1: Dado um </a:t>
+            </a:r>
+            <a:r>
+              <a:rPr lang="pt-BR" dirty="0" err="1"/>
+              <a:t>array</a:t>
+            </a:r>
+            <a:r>
+              <a:rPr lang="pt-BR" dirty="0"/>
+              <a:t> de números, use a função </a:t>
+            </a:r>
+            <a:r>
+              <a:rPr lang="pt-BR" dirty="0" err="1"/>
+              <a:t>map</a:t>
+            </a:r>
+            <a:r>
+              <a:rPr lang="pt-BR" dirty="0"/>
+              <a:t>() para criar um novo </a:t>
+            </a:r>
+            <a:r>
+              <a:rPr lang="pt-BR" dirty="0" err="1"/>
+              <a:t>array</a:t>
+            </a:r>
+            <a:r>
+              <a:rPr lang="pt-BR" dirty="0"/>
+              <a:t> que contenha o quadrado de cada número do </a:t>
+            </a:r>
+            <a:r>
+              <a:rPr lang="pt-BR" dirty="0" err="1"/>
+              <a:t>array</a:t>
+            </a:r>
+            <a:r>
+              <a:rPr lang="pt-BR" dirty="0"/>
+              <a:t> original.</a:t>
+            </a:r>
+          </a:p>
+          <a:p>
+            <a:endParaRPr lang="pt-BR" dirty="0"/>
+          </a:p>
+          <a:p>
+            <a:r>
+              <a:rPr lang="pt-BR" dirty="0"/>
+              <a:t>Exe2: Dado um </a:t>
+            </a:r>
+            <a:r>
+              <a:rPr lang="pt-BR" dirty="0" err="1"/>
+              <a:t>array</a:t>
+            </a:r>
+            <a:r>
+              <a:rPr lang="pt-BR" dirty="0"/>
+              <a:t> de </a:t>
+            </a:r>
+            <a:r>
+              <a:rPr lang="pt-BR" dirty="0" err="1"/>
+              <a:t>strings</a:t>
+            </a:r>
+            <a:r>
+              <a:rPr lang="pt-BR" dirty="0"/>
+              <a:t>, use a função </a:t>
+            </a:r>
+            <a:r>
+              <a:rPr lang="pt-BR" dirty="0" err="1"/>
+              <a:t>map</a:t>
+            </a:r>
+            <a:r>
+              <a:rPr lang="pt-BR" dirty="0"/>
+              <a:t>() para criar um novo </a:t>
+            </a:r>
+            <a:r>
+              <a:rPr lang="pt-BR" dirty="0" err="1"/>
+              <a:t>array</a:t>
+            </a:r>
+            <a:r>
+              <a:rPr lang="pt-BR" dirty="0"/>
+              <a:t> onde cada </a:t>
+            </a:r>
+            <a:r>
+              <a:rPr lang="pt-BR" dirty="0" err="1"/>
+              <a:t>string</a:t>
+            </a:r>
+            <a:r>
+              <a:rPr lang="pt-BR" dirty="0"/>
+              <a:t> seja convertida para letras maiúsculas.</a:t>
+            </a:r>
+          </a:p>
+          <a:p>
+            <a:endParaRPr lang="pt-BR" dirty="0"/>
+          </a:p>
+          <a:p>
+            <a:r>
+              <a:rPr lang="pt-BR" dirty="0"/>
+              <a:t>Exe3: Dado um </a:t>
+            </a:r>
+            <a:r>
+              <a:rPr lang="pt-BR" dirty="0" err="1"/>
+              <a:t>array</a:t>
+            </a:r>
+            <a:r>
+              <a:rPr lang="pt-BR" dirty="0"/>
+              <a:t> de números, use a função </a:t>
+            </a:r>
+            <a:r>
+              <a:rPr lang="pt-BR" dirty="0" err="1"/>
+              <a:t>map</a:t>
+            </a:r>
+            <a:r>
+              <a:rPr lang="pt-BR" dirty="0"/>
+              <a:t>() para criar um novo </a:t>
+            </a:r>
+            <a:r>
+              <a:rPr lang="pt-BR" dirty="0" err="1"/>
+              <a:t>array</a:t>
+            </a:r>
+            <a:r>
+              <a:rPr lang="pt-BR" dirty="0"/>
+              <a:t> onde 10 é adicionado a cada número.</a:t>
+            </a:r>
+          </a:p>
+        </p:txBody>
+      </p:sp>
+    </p:spTree>
+    <p:extLst>
+      <p:ext uri="{BB962C8B-B14F-4D97-AF65-F5344CB8AC3E}">
+        <p14:creationId xmlns:p14="http://schemas.microsoft.com/office/powerpoint/2010/main" val="1646682638"/>
+      </p:ext>
+    </p:extLst>
+  </p:cSld>
+  <p:clrMapOvr>
+    <a:masterClrMapping/>
+  </p:clrMapOvr>
+</p:sld>
+</file>
+
+<file path=ppt/slides/slide17.xml><?xml version="1.0" encoding="utf-8"?>
+<p:sld xmlns:a="http://schemas.openxmlformats.org/drawingml/2006/main" xmlns:r="http://schemas.openxmlformats.org/officeDocument/2006/relationships" xmlns:p="http://schemas.openxmlformats.org/presentationml/2006/main">
+  <p:cSld>
+    <p:spTree>
+      <p:nvGrpSpPr>
+        <p:cNvPr id="1" name=""/>
+        <p:cNvGrpSpPr/>
+        <p:nvPr/>
+      </p:nvGrpSpPr>
+      <p:grpSpPr>
+        <a:xfrm>
+          <a:off x="0" y="0"/>
+          <a:ext cx="0" cy="0"/>
+          <a:chOff x="0" y="0"/>
+          <a:chExt cx="0" cy="0"/>
+        </a:xfrm>
+      </p:grpSpPr>
+      <p:sp>
+        <p:nvSpPr>
+          <p:cNvPr id="2" name="Título 1">
+            <a:extLst>
+              <a:ext uri="{FF2B5EF4-FFF2-40B4-BE49-F238E27FC236}">
+                <a16:creationId xmlns:a16="http://schemas.microsoft.com/office/drawing/2014/main" id="{1AF38959-F7A0-C652-B7C9-DB9B842491DF}"/>
+              </a:ext>
+            </a:extLst>
+          </p:cNvPr>
+          <p:cNvSpPr>
+            <a:spLocks noGrp="1"/>
+          </p:cNvSpPr>
+          <p:nvPr>
+            <p:ph type="title"/>
+          </p:nvPr>
+        </p:nvSpPr>
+        <p:spPr/>
+        <p:txBody>
+          <a:bodyPr/>
+          <a:lstStyle/>
+          <a:p>
+            <a:r>
+              <a:rPr lang="pt-BR" dirty="0"/>
+              <a:t>Exercícios com Map</a:t>
+            </a:r>
+          </a:p>
+        </p:txBody>
+      </p:sp>
+      <p:sp>
+        <p:nvSpPr>
+          <p:cNvPr id="3" name="Espaço Reservado para Conteúdo 2">
+            <a:extLst>
+              <a:ext uri="{FF2B5EF4-FFF2-40B4-BE49-F238E27FC236}">
+                <a16:creationId xmlns:a16="http://schemas.microsoft.com/office/drawing/2014/main" id="{98C44620-36EF-8D07-9E84-9BE849911F33}"/>
+              </a:ext>
+            </a:extLst>
+          </p:cNvPr>
+          <p:cNvSpPr>
+            <a:spLocks noGrp="1"/>
+          </p:cNvSpPr>
+          <p:nvPr>
+            <p:ph idx="1"/>
+          </p:nvPr>
+        </p:nvSpPr>
+        <p:spPr/>
+        <p:txBody>
+          <a:bodyPr/>
+          <a:lstStyle/>
+          <a:p>
+            <a:r>
+              <a:rPr lang="pt-BR" dirty="0"/>
+              <a:t>Exe4: Dado um </a:t>
+            </a:r>
+            <a:r>
+              <a:rPr lang="pt-BR" dirty="0" err="1"/>
+              <a:t>array</a:t>
+            </a:r>
+            <a:r>
+              <a:rPr lang="pt-BR" dirty="0"/>
+              <a:t> de </a:t>
+            </a:r>
+            <a:r>
+              <a:rPr lang="pt-BR" dirty="0" err="1"/>
+              <a:t>strings</a:t>
+            </a:r>
+            <a:r>
+              <a:rPr lang="pt-BR" dirty="0"/>
+              <a:t>, use a função </a:t>
+            </a:r>
+            <a:r>
+              <a:rPr lang="pt-BR" dirty="0" err="1"/>
+              <a:t>map</a:t>
+            </a:r>
+            <a:r>
+              <a:rPr lang="pt-BR" dirty="0"/>
+              <a:t>() para criar um novo </a:t>
+            </a:r>
+            <a:r>
+              <a:rPr lang="pt-BR" dirty="0" err="1"/>
+              <a:t>array</a:t>
+            </a:r>
+            <a:r>
+              <a:rPr lang="pt-BR" dirty="0"/>
+              <a:t> onde cada </a:t>
+            </a:r>
+            <a:r>
+              <a:rPr lang="pt-BR" dirty="0" err="1"/>
+              <a:t>string</a:t>
+            </a:r>
+            <a:r>
+              <a:rPr lang="pt-BR" dirty="0"/>
+              <a:t> seja concatenada com a </a:t>
+            </a:r>
+            <a:r>
+              <a:rPr lang="pt-BR" dirty="0" err="1"/>
+              <a:t>string</a:t>
+            </a:r>
+            <a:r>
+              <a:rPr lang="pt-BR" dirty="0"/>
+              <a:t> " - Processada".</a:t>
+            </a:r>
+          </a:p>
+        </p:txBody>
+      </p:sp>
+    </p:spTree>
+    <p:extLst>
+      <p:ext uri="{BB962C8B-B14F-4D97-AF65-F5344CB8AC3E}">
+        <p14:creationId xmlns:p14="http://schemas.microsoft.com/office/powerpoint/2010/main" val="1590033210"/>
+      </p:ext>
+    </p:extLst>
+  </p:cSld>
+  <p:clrMapOvr>
+    <a:masterClrMapping/>
+  </p:clrMapOvr>
+</p:sld>
+</file>
+
+<file path=ppt/slides/slide18.xml><?xml version="1.0" encoding="utf-8"?>
+<p:sld xmlns:a="http://schemas.openxmlformats.org/drawingml/2006/main" xmlns:r="http://schemas.openxmlformats.org/officeDocument/2006/relationships" xmlns:p="http://schemas.openxmlformats.org/presentationml/2006/main">
+  <p:cSld>
+    <p:spTree>
+      <p:nvGrpSpPr>
+        <p:cNvPr id="1" name=""/>
+        <p:cNvGrpSpPr/>
+        <p:nvPr/>
+      </p:nvGrpSpPr>
+      <p:grpSpPr>
+        <a:xfrm>
+          <a:off x="0" y="0"/>
+          <a:ext cx="0" cy="0"/>
+          <a:chOff x="0" y="0"/>
+          <a:chExt cx="0" cy="0"/>
+        </a:xfrm>
+      </p:grpSpPr>
+      <p:sp>
+        <p:nvSpPr>
           <p:cNvPr id="2" name="Title 1"/>
           <p:cNvSpPr>
             <a:spLocks noGrp="1"/>
@@ -4150,18 +5019,209 @@
         </p:nvSpPr>
         <p:spPr/>
         <p:txBody>
+          <a:bodyPr>
+            <a:normAutofit fontScale="90000"/>
+          </a:bodyPr>
+          <a:lstStyle/>
+          <a:p>
+            <a:r>
+              <a:t>Exemplo: Usando filter com Arrow Function</a:t>
+            </a:r>
+          </a:p>
+        </p:txBody>
+      </p:sp>
+      <p:sp>
+        <p:nvSpPr>
+          <p:cNvPr id="3" name="Content Placeholder 2"/>
+          <p:cNvSpPr>
+            <a:spLocks noGrp="1"/>
+          </p:cNvSpPr>
+          <p:nvPr>
+            <p:ph idx="1"/>
+          </p:nvPr>
+        </p:nvSpPr>
+        <p:spPr/>
+        <p:txBody>
+          <a:bodyPr>
+            <a:normAutofit fontScale="85000" lnSpcReduction="20000"/>
+          </a:bodyPr>
+          <a:lstStyle/>
+          <a:p>
+            <a:r>
+              <a:rPr dirty="0"/>
+              <a:t>Código:</a:t>
+            </a:r>
+          </a:p>
+          <a:p>
+            <a:r>
+              <a:rPr dirty="0"/>
+              <a:t>// ES5</a:t>
+            </a:r>
+          </a:p>
+          <a:p>
+            <a:pPr marL="0" indent="0">
+              <a:buNone/>
+            </a:pPr>
+            <a:r>
+              <a:rPr dirty="0"/>
+              <a:t>var </a:t>
+            </a:r>
+            <a:r>
+              <a:rPr dirty="0" err="1"/>
+              <a:t>numeros</a:t>
+            </a:r>
+            <a:r>
+              <a:rPr dirty="0"/>
+              <a:t> = [1, 2, 3, 4];</a:t>
+            </a:r>
+          </a:p>
+          <a:p>
+            <a:pPr marL="0" indent="0">
+              <a:buNone/>
+            </a:pPr>
+            <a:r>
+              <a:rPr dirty="0"/>
+              <a:t>var pares = </a:t>
+            </a:r>
+            <a:r>
+              <a:rPr dirty="0" err="1"/>
+              <a:t>numeros.filter</a:t>
+            </a:r>
+            <a:r>
+              <a:rPr dirty="0"/>
+              <a:t>(function(n) {</a:t>
+            </a:r>
+          </a:p>
+          <a:p>
+            <a:pPr marL="0" indent="0">
+              <a:buNone/>
+            </a:pPr>
+            <a:r>
+              <a:rPr dirty="0"/>
+              <a:t>    return n % 2 === 0;</a:t>
+            </a:r>
+          </a:p>
+          <a:p>
+            <a:pPr marL="0" indent="0">
+              <a:buNone/>
+            </a:pPr>
+            <a:r>
+              <a:rPr dirty="0"/>
+              <a:t>});</a:t>
+            </a:r>
+          </a:p>
+          <a:p>
+            <a:endParaRPr dirty="0"/>
+          </a:p>
+          <a:p>
+            <a:r>
+              <a:rPr dirty="0"/>
+              <a:t>// ES6</a:t>
+            </a:r>
+          </a:p>
+          <a:p>
+            <a:pPr marL="0" indent="0">
+              <a:buNone/>
+            </a:pPr>
+            <a:r>
+              <a:rPr dirty="0"/>
+              <a:t>const </a:t>
+            </a:r>
+            <a:r>
+              <a:rPr dirty="0" err="1"/>
+              <a:t>numeros</a:t>
+            </a:r>
+            <a:r>
+              <a:rPr dirty="0"/>
+              <a:t> = [1, 2, 3, 4];</a:t>
+            </a:r>
+          </a:p>
+          <a:p>
+            <a:pPr marL="0" indent="0">
+              <a:buNone/>
+            </a:pPr>
+            <a:r>
+              <a:rPr dirty="0"/>
+              <a:t>const pares = </a:t>
+            </a:r>
+            <a:r>
+              <a:rPr dirty="0" err="1"/>
+              <a:t>numeros.filter</a:t>
+            </a:r>
+            <a:r>
+              <a:rPr dirty="0"/>
+              <a:t>(n =&gt; n % 2 === 0);</a:t>
+            </a:r>
+          </a:p>
+        </p:txBody>
+      </p:sp>
+    </p:spTree>
+  </p:cSld>
+  <p:clrMapOvr>
+    <a:masterClrMapping/>
+  </p:clrMapOvr>
+</p:sld>
+</file>
+
+<file path=ppt/slides/slide19.xml><?xml version="1.0" encoding="utf-8"?>
+<p:sld xmlns:a="http://schemas.openxmlformats.org/drawingml/2006/main" xmlns:r="http://schemas.openxmlformats.org/officeDocument/2006/relationships" xmlns:p="http://schemas.openxmlformats.org/presentationml/2006/main">
+  <p:cSld>
+    <p:spTree>
+      <p:nvGrpSpPr>
+        <p:cNvPr id="1" name=""/>
+        <p:cNvGrpSpPr/>
+        <p:nvPr/>
+      </p:nvGrpSpPr>
+      <p:grpSpPr>
+        <a:xfrm>
+          <a:off x="0" y="0"/>
+          <a:ext cx="0" cy="0"/>
+          <a:chOff x="0" y="0"/>
+          <a:chExt cx="0" cy="0"/>
+        </a:xfrm>
+      </p:grpSpPr>
+      <p:sp>
+        <p:nvSpPr>
+          <p:cNvPr id="2" name="Título 1">
+            <a:extLst>
+              <a:ext uri="{FF2B5EF4-FFF2-40B4-BE49-F238E27FC236}">
+                <a16:creationId xmlns:a16="http://schemas.microsoft.com/office/drawing/2014/main" id="{91A5C104-53C9-5A46-B4B7-AC7ABA3F488B}"/>
+              </a:ext>
+            </a:extLst>
+          </p:cNvPr>
+          <p:cNvSpPr>
+            <a:spLocks noGrp="1"/>
+          </p:cNvSpPr>
+          <p:nvPr>
+            <p:ph type="title"/>
+          </p:nvPr>
+        </p:nvSpPr>
+        <p:spPr/>
+        <p:txBody>
           <a:bodyPr/>
           <a:lstStyle/>
           <a:p>
             <a:r>
-              <a:t>Referências e Recursos</a:t>
-            </a:r>
-          </a:p>
-        </p:txBody>
-      </p:sp>
-      <p:sp>
-        <p:nvSpPr>
-          <p:cNvPr id="3" name="Content Placeholder 2"/>
+              <a:rPr lang="pt-BR" dirty="0"/>
+              <a:t>Exercícios com </a:t>
+            </a:r>
+            <a:r>
+              <a:rPr lang="pt-BR" dirty="0" err="1"/>
+              <a:t>filter</a:t>
+            </a:r>
+            <a:endParaRPr lang="pt-BR" dirty="0"/>
+          </a:p>
+        </p:txBody>
+      </p:sp>
+      <p:sp>
+        <p:nvSpPr>
+          <p:cNvPr id="3" name="Espaço Reservado para Conteúdo 2">
+            <a:extLst>
+              <a:ext uri="{FF2B5EF4-FFF2-40B4-BE49-F238E27FC236}">
+                <a16:creationId xmlns:a16="http://schemas.microsoft.com/office/drawing/2014/main" id="{483D95B4-C6F9-AE9A-C36D-4615470165BD}"/>
+              </a:ext>
+            </a:extLst>
+          </p:cNvPr>
           <p:cNvSpPr>
             <a:spLocks noGrp="1"/>
           </p:cNvSpPr>
@@ -4171,65 +5231,146 @@
         </p:nvSpPr>
         <p:spPr/>
         <p:txBody>
-          <a:bodyPr/>
-          <a:lstStyle/>
-          <a:p>
-            <a:r>
-              <a:rPr dirty="0"/>
-              <a:t>Links </a:t>
-            </a:r>
-            <a:r>
-              <a:rPr dirty="0" err="1"/>
-              <a:t>Úteis</a:t>
-            </a:r>
-            <a:r>
-              <a:rPr dirty="0"/>
-              <a:t>:</a:t>
-            </a:r>
-          </a:p>
-          <a:p>
-            <a:pPr marL="0" indent="0">
-              <a:buNone/>
-            </a:pPr>
-            <a:r>
-              <a:rPr dirty="0"/>
-              <a:t>- MDN Web Docs: JavaScript Functions</a:t>
-            </a:r>
-          </a:p>
-          <a:p>
-            <a:pPr marL="0" indent="0">
-              <a:buNone/>
-            </a:pPr>
-            <a:r>
-              <a:rPr dirty="0"/>
-              <a:t>https://developer.mozilla.org/en-US/docs/Web/JavaScript/Guide/Functions</a:t>
-            </a:r>
+          <a:bodyPr>
+            <a:normAutofit fontScale="92500" lnSpcReduction="20000"/>
+          </a:bodyPr>
+          <a:lstStyle/>
+          <a:p>
+            <a:r>
+              <a:rPr lang="pt-BR" dirty="0"/>
+              <a:t>Exe1: Dado um </a:t>
+            </a:r>
+            <a:r>
+              <a:rPr lang="pt-BR" dirty="0" err="1"/>
+              <a:t>array</a:t>
+            </a:r>
+            <a:r>
+              <a:rPr lang="pt-BR" dirty="0"/>
+              <a:t> de </a:t>
+            </a:r>
+            <a:r>
+              <a:rPr lang="pt-BR" dirty="0" err="1"/>
+              <a:t>strings</a:t>
+            </a:r>
+            <a:r>
+              <a:rPr lang="pt-BR" dirty="0"/>
+              <a:t>, use a função </a:t>
+            </a:r>
+            <a:r>
+              <a:rPr lang="pt-BR" dirty="0" err="1"/>
+              <a:t>filter</a:t>
+            </a:r>
+            <a:r>
+              <a:rPr lang="pt-BR" dirty="0"/>
+              <a:t>() para criar um novo </a:t>
+            </a:r>
+            <a:r>
+              <a:rPr lang="pt-BR" dirty="0" err="1"/>
+              <a:t>array</a:t>
+            </a:r>
+            <a:r>
+              <a:rPr lang="pt-BR" dirty="0"/>
+              <a:t> que contenha apenas as </a:t>
+            </a:r>
+            <a:r>
+              <a:rPr lang="pt-BR" dirty="0" err="1"/>
+              <a:t>strings</a:t>
+            </a:r>
+            <a:r>
+              <a:rPr lang="pt-BR" dirty="0"/>
+              <a:t> com 5 ou mais caracteres.</a:t>
+            </a:r>
+          </a:p>
+          <a:p>
             <a:endParaRPr lang="pt-BR" dirty="0"/>
           </a:p>
           <a:p>
-            <a:pPr marL="0" indent="0">
-              <a:buNone/>
-            </a:pPr>
-            <a:endParaRPr dirty="0"/>
-          </a:p>
-          <a:p>
-            <a:r>
-              <a:rPr dirty="0"/>
-              <a:t>- ECMAScript 6 Features</a:t>
-            </a:r>
-          </a:p>
-          <a:p>
-            <a:pPr marL="0" indent="0">
-              <a:buNone/>
-            </a:pPr>
-            <a:r>
-              <a:rPr dirty="0"/>
-              <a:t>https://es6-features.org/</a:t>
+            <a:r>
+              <a:rPr lang="pt-BR" dirty="0"/>
+              <a:t>Exe2: Dado um </a:t>
+            </a:r>
+            <a:r>
+              <a:rPr lang="pt-BR" dirty="0" err="1"/>
+              <a:t>array</a:t>
+            </a:r>
+            <a:r>
+              <a:rPr lang="pt-BR" dirty="0"/>
+              <a:t> de </a:t>
+            </a:r>
+            <a:r>
+              <a:rPr lang="pt-BR" dirty="0" err="1"/>
+              <a:t>strings</a:t>
+            </a:r>
+            <a:r>
+              <a:rPr lang="pt-BR" dirty="0"/>
+              <a:t>, use a função </a:t>
+            </a:r>
+            <a:r>
+              <a:rPr lang="pt-BR" dirty="0" err="1"/>
+              <a:t>filter</a:t>
+            </a:r>
+            <a:r>
+              <a:rPr lang="pt-BR" dirty="0"/>
+              <a:t>() para criar um novo </a:t>
+            </a:r>
+            <a:r>
+              <a:rPr lang="pt-BR" dirty="0" err="1"/>
+              <a:t>array</a:t>
+            </a:r>
+            <a:r>
+              <a:rPr lang="pt-BR" dirty="0"/>
+              <a:t> contendo apenas as </a:t>
+            </a:r>
+            <a:r>
+              <a:rPr lang="pt-BR" dirty="0" err="1"/>
+              <a:t>strings</a:t>
+            </a:r>
+            <a:r>
+              <a:rPr lang="pt-BR" dirty="0"/>
+              <a:t> que começam com a letra "A".</a:t>
+            </a:r>
+          </a:p>
+          <a:p>
+            <a:endParaRPr lang="pt-BR" dirty="0"/>
+          </a:p>
+          <a:p>
+            <a:r>
+              <a:rPr lang="pt-BR" dirty="0"/>
+              <a:t>Exe3: Dado um </a:t>
+            </a:r>
+            <a:r>
+              <a:rPr lang="pt-BR" dirty="0" err="1"/>
+              <a:t>array</a:t>
+            </a:r>
+            <a:r>
+              <a:rPr lang="pt-BR" dirty="0"/>
+              <a:t> de números, use a função </a:t>
+            </a:r>
+            <a:r>
+              <a:rPr lang="pt-BR" dirty="0" err="1"/>
+              <a:t>filter</a:t>
+            </a:r>
+            <a:r>
+              <a:rPr lang="pt-BR" dirty="0"/>
+              <a:t>() para criar um novo </a:t>
+            </a:r>
+            <a:r>
+              <a:rPr lang="pt-BR" dirty="0" err="1"/>
+              <a:t>array</a:t>
+            </a:r>
+            <a:r>
+              <a:rPr lang="pt-BR" dirty="0"/>
+              <a:t> que contenha apenas os números negativos.</a:t>
             </a:r>
           </a:p>
         </p:txBody>
       </p:sp>
     </p:spTree>
+    <p:extLst>
+      <p:ext uri="{BB962C8B-B14F-4D97-AF65-F5344CB8AC3E}">
+        <p14:creationId xmlns:p14="http://schemas.microsoft.com/office/powerpoint/2010/main" val="2496625838"/>
+      </p:ext>
+    </p:extLst>
   </p:cSld>
   <p:clrMapOvr>
     <a:masterClrMapping/>
@@ -4322,6 +5463,819 @@
           <a:p>
             <a:r>
               <a:t>Perguntas e Respostas</a:t>
+            </a:r>
+          </a:p>
+        </p:txBody>
+      </p:sp>
+    </p:spTree>
+  </p:cSld>
+  <p:clrMapOvr>
+    <a:masterClrMapping/>
+  </p:clrMapOvr>
+</p:sld>
+</file>
+
+<file path=ppt/slides/slide20.xml><?xml version="1.0" encoding="utf-8"?>
+<p:sld xmlns:a="http://schemas.openxmlformats.org/drawingml/2006/main" xmlns:r="http://schemas.openxmlformats.org/officeDocument/2006/relationships" xmlns:p="http://schemas.openxmlformats.org/presentationml/2006/main">
+  <p:cSld>
+    <p:spTree>
+      <p:nvGrpSpPr>
+        <p:cNvPr id="1" name=""/>
+        <p:cNvGrpSpPr/>
+        <p:nvPr/>
+      </p:nvGrpSpPr>
+      <p:grpSpPr>
+        <a:xfrm>
+          <a:off x="0" y="0"/>
+          <a:ext cx="0" cy="0"/>
+          <a:chOff x="0" y="0"/>
+          <a:chExt cx="0" cy="0"/>
+        </a:xfrm>
+      </p:grpSpPr>
+      <p:sp>
+        <p:nvSpPr>
+          <p:cNvPr id="2" name="Título 1">
+            <a:extLst>
+              <a:ext uri="{FF2B5EF4-FFF2-40B4-BE49-F238E27FC236}">
+                <a16:creationId xmlns:a16="http://schemas.microsoft.com/office/drawing/2014/main" id="{8DD22ED0-759F-72EC-77D1-E67A4AE7AEB0}"/>
+              </a:ext>
+            </a:extLst>
+          </p:cNvPr>
+          <p:cNvSpPr>
+            <a:spLocks noGrp="1"/>
+          </p:cNvSpPr>
+          <p:nvPr>
+            <p:ph type="title"/>
+          </p:nvPr>
+        </p:nvSpPr>
+        <p:spPr/>
+        <p:txBody>
+          <a:bodyPr/>
+          <a:lstStyle/>
+          <a:p>
+            <a:r>
+              <a:rPr lang="pt-BR" dirty="0"/>
+              <a:t>Exercícios com </a:t>
+            </a:r>
+            <a:r>
+              <a:rPr lang="pt-BR" dirty="0" err="1"/>
+              <a:t>filter</a:t>
+            </a:r>
+            <a:endParaRPr lang="pt-BR" dirty="0"/>
+          </a:p>
+        </p:txBody>
+      </p:sp>
+      <p:sp>
+        <p:nvSpPr>
+          <p:cNvPr id="3" name="Espaço Reservado para Conteúdo 2">
+            <a:extLst>
+              <a:ext uri="{FF2B5EF4-FFF2-40B4-BE49-F238E27FC236}">
+                <a16:creationId xmlns:a16="http://schemas.microsoft.com/office/drawing/2014/main" id="{5A8E533F-7DEE-7A36-AF69-C297BCD79ABA}"/>
+              </a:ext>
+            </a:extLst>
+          </p:cNvPr>
+          <p:cNvSpPr>
+            <a:spLocks noGrp="1"/>
+          </p:cNvSpPr>
+          <p:nvPr>
+            <p:ph idx="1"/>
+          </p:nvPr>
+        </p:nvSpPr>
+        <p:spPr/>
+        <p:txBody>
+          <a:bodyPr/>
+          <a:lstStyle/>
+          <a:p>
+            <a:r>
+              <a:rPr lang="pt-BR" dirty="0"/>
+              <a:t>Exe4: Dado um </a:t>
+            </a:r>
+            <a:r>
+              <a:rPr lang="pt-BR" dirty="0" err="1"/>
+              <a:t>array</a:t>
+            </a:r>
+            <a:r>
+              <a:rPr lang="pt-BR" dirty="0"/>
+              <a:t> de </a:t>
+            </a:r>
+            <a:r>
+              <a:rPr lang="pt-BR" dirty="0" err="1"/>
+              <a:t>strings</a:t>
+            </a:r>
+            <a:r>
+              <a:rPr lang="pt-BR" dirty="0"/>
+              <a:t> que podem conter </a:t>
+            </a:r>
+            <a:r>
+              <a:rPr lang="pt-BR" dirty="0" err="1"/>
+              <a:t>strings</a:t>
+            </a:r>
+            <a:r>
+              <a:rPr lang="pt-BR" dirty="0"/>
+              <a:t> vazias ou apenas espaços, use a função </a:t>
+            </a:r>
+            <a:r>
+              <a:rPr lang="pt-BR" dirty="0" err="1"/>
+              <a:t>filter</a:t>
+            </a:r>
+            <a:r>
+              <a:rPr lang="pt-BR" dirty="0"/>
+              <a:t>() para criar um novo </a:t>
+            </a:r>
+            <a:r>
+              <a:rPr lang="pt-BR" dirty="0" err="1"/>
+              <a:t>array</a:t>
+            </a:r>
+            <a:r>
+              <a:rPr lang="pt-BR" dirty="0"/>
+              <a:t> que contenha apenas as </a:t>
+            </a:r>
+            <a:r>
+              <a:rPr lang="pt-BR" dirty="0" err="1"/>
+              <a:t>strings</a:t>
+            </a:r>
+            <a:r>
+              <a:rPr lang="pt-BR" dirty="0"/>
+              <a:t> válidas (não vazias e que não sejam apenas espaços).</a:t>
+            </a:r>
+          </a:p>
+        </p:txBody>
+      </p:sp>
+    </p:spTree>
+    <p:extLst>
+      <p:ext uri="{BB962C8B-B14F-4D97-AF65-F5344CB8AC3E}">
+        <p14:creationId xmlns:p14="http://schemas.microsoft.com/office/powerpoint/2010/main" val="1132583628"/>
+      </p:ext>
+    </p:extLst>
+  </p:cSld>
+  <p:clrMapOvr>
+    <a:masterClrMapping/>
+  </p:clrMapOvr>
+</p:sld>
+</file>
+
+<file path=ppt/slides/slide21.xml><?xml version="1.0" encoding="utf-8"?>
+<p:sld xmlns:a="http://schemas.openxmlformats.org/drawingml/2006/main" xmlns:r="http://schemas.openxmlformats.org/officeDocument/2006/relationships" xmlns:p="http://schemas.openxmlformats.org/presentationml/2006/main">
+  <p:cSld>
+    <p:spTree>
+      <p:nvGrpSpPr>
+        <p:cNvPr id="1" name=""/>
+        <p:cNvGrpSpPr/>
+        <p:nvPr/>
+      </p:nvGrpSpPr>
+      <p:grpSpPr>
+        <a:xfrm>
+          <a:off x="0" y="0"/>
+          <a:ext cx="0" cy="0"/>
+          <a:chOff x="0" y="0"/>
+          <a:chExt cx="0" cy="0"/>
+        </a:xfrm>
+      </p:grpSpPr>
+      <p:sp>
+        <p:nvSpPr>
+          <p:cNvPr id="2" name="Title 1"/>
+          <p:cNvSpPr>
+            <a:spLocks noGrp="1"/>
+          </p:cNvSpPr>
+          <p:nvPr>
+            <p:ph type="title"/>
+          </p:nvPr>
+        </p:nvSpPr>
+        <p:spPr/>
+        <p:txBody>
+          <a:bodyPr>
+            <a:normAutofit fontScale="90000"/>
+          </a:bodyPr>
+          <a:lstStyle/>
+          <a:p>
+            <a:r>
+              <a:t>Exemplo: Usando reduce com Arrow Function</a:t>
+            </a:r>
+          </a:p>
+        </p:txBody>
+      </p:sp>
+      <p:sp>
+        <p:nvSpPr>
+          <p:cNvPr id="3" name="Content Placeholder 2"/>
+          <p:cNvSpPr>
+            <a:spLocks noGrp="1"/>
+          </p:cNvSpPr>
+          <p:nvPr>
+            <p:ph idx="1"/>
+          </p:nvPr>
+        </p:nvSpPr>
+        <p:spPr/>
+        <p:txBody>
+          <a:bodyPr>
+            <a:normAutofit fontScale="85000" lnSpcReduction="20000"/>
+          </a:bodyPr>
+          <a:lstStyle/>
+          <a:p>
+            <a:r>
+              <a:rPr dirty="0"/>
+              <a:t>Código:</a:t>
+            </a:r>
+          </a:p>
+          <a:p>
+            <a:r>
+              <a:rPr dirty="0"/>
+              <a:t>// ES5</a:t>
+            </a:r>
+          </a:p>
+          <a:p>
+            <a:pPr marL="0" indent="0">
+              <a:buNone/>
+            </a:pPr>
+            <a:r>
+              <a:rPr dirty="0"/>
+              <a:t>var </a:t>
+            </a:r>
+            <a:r>
+              <a:rPr dirty="0" err="1"/>
+              <a:t>numeros</a:t>
+            </a:r>
+            <a:r>
+              <a:rPr dirty="0"/>
+              <a:t> = [1, 2, 3, 4];</a:t>
+            </a:r>
+          </a:p>
+          <a:p>
+            <a:pPr marL="0" indent="0">
+              <a:buNone/>
+            </a:pPr>
+            <a:r>
+              <a:rPr dirty="0"/>
+              <a:t>var soma = </a:t>
+            </a:r>
+            <a:r>
+              <a:rPr dirty="0" err="1"/>
+              <a:t>numeros.reduce</a:t>
+            </a:r>
+            <a:r>
+              <a:rPr dirty="0"/>
+              <a:t>(function(total, n) {</a:t>
+            </a:r>
+          </a:p>
+          <a:p>
+            <a:pPr marL="0" indent="0">
+              <a:buNone/>
+            </a:pPr>
+            <a:r>
+              <a:rPr dirty="0"/>
+              <a:t>    return total + n;</a:t>
+            </a:r>
+          </a:p>
+          <a:p>
+            <a:pPr marL="0" indent="0">
+              <a:buNone/>
+            </a:pPr>
+            <a:r>
+              <a:rPr dirty="0"/>
+              <a:t>}, 0);</a:t>
+            </a:r>
+          </a:p>
+          <a:p>
+            <a:endParaRPr dirty="0"/>
+          </a:p>
+          <a:p>
+            <a:r>
+              <a:rPr dirty="0"/>
+              <a:t>// ES6</a:t>
+            </a:r>
+          </a:p>
+          <a:p>
+            <a:pPr marL="0" indent="0">
+              <a:buNone/>
+            </a:pPr>
+            <a:r>
+              <a:rPr dirty="0"/>
+              <a:t>const </a:t>
+            </a:r>
+            <a:r>
+              <a:rPr dirty="0" err="1"/>
+              <a:t>numeros</a:t>
+            </a:r>
+            <a:r>
+              <a:rPr dirty="0"/>
+              <a:t> = [1, 2, 3, 4];</a:t>
+            </a:r>
+          </a:p>
+          <a:p>
+            <a:pPr marL="0" indent="0">
+              <a:buNone/>
+            </a:pPr>
+            <a:r>
+              <a:rPr dirty="0"/>
+              <a:t>const soma = </a:t>
+            </a:r>
+            <a:r>
+              <a:rPr dirty="0" err="1"/>
+              <a:t>numeros.reduce</a:t>
+            </a:r>
+            <a:r>
+              <a:rPr dirty="0"/>
+              <a:t>((total, n) =&gt; total + n, 0);</a:t>
+            </a:r>
+          </a:p>
+        </p:txBody>
+      </p:sp>
+    </p:spTree>
+  </p:cSld>
+  <p:clrMapOvr>
+    <a:masterClrMapping/>
+  </p:clrMapOvr>
+</p:sld>
+</file>
+
+<file path=ppt/slides/slide22.xml><?xml version="1.0" encoding="utf-8"?>
+<p:sld xmlns:a="http://schemas.openxmlformats.org/drawingml/2006/main" xmlns:r="http://schemas.openxmlformats.org/officeDocument/2006/relationships" xmlns:p="http://schemas.openxmlformats.org/presentationml/2006/main">
+  <p:cSld>
+    <p:spTree>
+      <p:nvGrpSpPr>
+        <p:cNvPr id="1" name=""/>
+        <p:cNvGrpSpPr/>
+        <p:nvPr/>
+      </p:nvGrpSpPr>
+      <p:grpSpPr>
+        <a:xfrm>
+          <a:off x="0" y="0"/>
+          <a:ext cx="0" cy="0"/>
+          <a:chOff x="0" y="0"/>
+          <a:chExt cx="0" cy="0"/>
+        </a:xfrm>
+      </p:grpSpPr>
+      <p:sp>
+        <p:nvSpPr>
+          <p:cNvPr id="2" name="Título 1">
+            <a:extLst>
+              <a:ext uri="{FF2B5EF4-FFF2-40B4-BE49-F238E27FC236}">
+                <a16:creationId xmlns:a16="http://schemas.microsoft.com/office/drawing/2014/main" id="{CE6A263C-E57C-3133-4CAD-45C846B3791A}"/>
+              </a:ext>
+            </a:extLst>
+          </p:cNvPr>
+          <p:cNvSpPr>
+            <a:spLocks noGrp="1"/>
+          </p:cNvSpPr>
+          <p:nvPr>
+            <p:ph type="title"/>
+          </p:nvPr>
+        </p:nvSpPr>
+        <p:spPr/>
+        <p:txBody>
+          <a:bodyPr/>
+          <a:lstStyle/>
+          <a:p>
+            <a:r>
+              <a:rPr lang="pt-BR" dirty="0"/>
+              <a:t>Exercícios com </a:t>
+            </a:r>
+            <a:r>
+              <a:rPr lang="pt-BR" dirty="0" err="1"/>
+              <a:t>reduce</a:t>
+            </a:r>
+            <a:endParaRPr lang="pt-BR" dirty="0"/>
+          </a:p>
+        </p:txBody>
+      </p:sp>
+      <p:sp>
+        <p:nvSpPr>
+          <p:cNvPr id="3" name="Espaço Reservado para Conteúdo 2">
+            <a:extLst>
+              <a:ext uri="{FF2B5EF4-FFF2-40B4-BE49-F238E27FC236}">
+                <a16:creationId xmlns:a16="http://schemas.microsoft.com/office/drawing/2014/main" id="{0E48F5B1-0E25-CAA6-D240-9F250667459D}"/>
+              </a:ext>
+            </a:extLst>
+          </p:cNvPr>
+          <p:cNvSpPr>
+            <a:spLocks noGrp="1"/>
+          </p:cNvSpPr>
+          <p:nvPr>
+            <p:ph idx="1"/>
+          </p:nvPr>
+        </p:nvSpPr>
+        <p:spPr/>
+        <p:txBody>
+          <a:bodyPr>
+            <a:normAutofit lnSpcReduction="10000"/>
+          </a:bodyPr>
+          <a:lstStyle/>
+          <a:p>
+            <a:r>
+              <a:rPr lang="pt-BR" dirty="0"/>
+              <a:t>Exe1: Dado um </a:t>
+            </a:r>
+            <a:r>
+              <a:rPr lang="pt-BR" dirty="0" err="1"/>
+              <a:t>array</a:t>
+            </a:r>
+            <a:r>
+              <a:rPr lang="pt-BR" dirty="0"/>
+              <a:t> de números, use a função </a:t>
+            </a:r>
+            <a:r>
+              <a:rPr lang="pt-BR" dirty="0" err="1"/>
+              <a:t>reduce</a:t>
+            </a:r>
+            <a:r>
+              <a:rPr lang="pt-BR" dirty="0"/>
+              <a:t>() para calcular o produto de todos os números no </a:t>
+            </a:r>
+            <a:r>
+              <a:rPr lang="pt-BR" dirty="0" err="1"/>
+              <a:t>array</a:t>
+            </a:r>
+            <a:r>
+              <a:rPr lang="pt-BR" dirty="0"/>
+              <a:t>.</a:t>
+            </a:r>
+          </a:p>
+          <a:p>
+            <a:r>
+              <a:rPr lang="pt-BR" dirty="0"/>
+              <a:t>Exe2: Dado um </a:t>
+            </a:r>
+            <a:r>
+              <a:rPr lang="pt-BR" dirty="0" err="1"/>
+              <a:t>array</a:t>
+            </a:r>
+            <a:r>
+              <a:rPr lang="pt-BR" dirty="0"/>
+              <a:t> de </a:t>
+            </a:r>
+            <a:r>
+              <a:rPr lang="pt-BR" dirty="0" err="1"/>
+              <a:t>strings</a:t>
+            </a:r>
+            <a:r>
+              <a:rPr lang="pt-BR" dirty="0"/>
+              <a:t>, use a função </a:t>
+            </a:r>
+            <a:r>
+              <a:rPr lang="pt-BR" dirty="0" err="1"/>
+              <a:t>reduce</a:t>
+            </a:r>
+            <a:r>
+              <a:rPr lang="pt-BR" dirty="0"/>
+              <a:t>() para concatenar todas as </a:t>
+            </a:r>
+            <a:r>
+              <a:rPr lang="pt-BR" dirty="0" err="1"/>
+              <a:t>strings</a:t>
+            </a:r>
+            <a:r>
+              <a:rPr lang="pt-BR" dirty="0"/>
+              <a:t> em uma única </a:t>
+            </a:r>
+            <a:r>
+              <a:rPr lang="pt-BR" dirty="0" err="1"/>
+              <a:t>string</a:t>
+            </a:r>
+            <a:r>
+              <a:rPr lang="pt-BR" dirty="0"/>
+              <a:t>.</a:t>
+            </a:r>
+          </a:p>
+          <a:p>
+            <a:r>
+              <a:rPr lang="pt-BR" dirty="0"/>
+              <a:t>Exe3: Dado um </a:t>
+            </a:r>
+            <a:r>
+              <a:rPr lang="pt-BR" dirty="0" err="1"/>
+              <a:t>array</a:t>
+            </a:r>
+            <a:r>
+              <a:rPr lang="pt-BR" dirty="0"/>
+              <a:t> de números, use a função </a:t>
+            </a:r>
+            <a:r>
+              <a:rPr lang="pt-BR" dirty="0" err="1"/>
+              <a:t>reduce</a:t>
+            </a:r>
+            <a:r>
+              <a:rPr lang="pt-BR" dirty="0"/>
+              <a:t>() para encontrar o maior número no </a:t>
+            </a:r>
+            <a:r>
+              <a:rPr lang="pt-BR" dirty="0" err="1"/>
+              <a:t>array</a:t>
+            </a:r>
+            <a:r>
+              <a:rPr lang="pt-BR" dirty="0"/>
+              <a:t>.</a:t>
+            </a:r>
+          </a:p>
+        </p:txBody>
+      </p:sp>
+    </p:spTree>
+    <p:extLst>
+      <p:ext uri="{BB962C8B-B14F-4D97-AF65-F5344CB8AC3E}">
+        <p14:creationId xmlns:p14="http://schemas.microsoft.com/office/powerpoint/2010/main" val="634371744"/>
+      </p:ext>
+    </p:extLst>
+  </p:cSld>
+  <p:clrMapOvr>
+    <a:masterClrMapping/>
+  </p:clrMapOvr>
+</p:sld>
+</file>
+
+<file path=ppt/slides/slide23.xml><?xml version="1.0" encoding="utf-8"?>
+<p:sld xmlns:a="http://schemas.openxmlformats.org/drawingml/2006/main" xmlns:r="http://schemas.openxmlformats.org/officeDocument/2006/relationships" xmlns:p="http://schemas.openxmlformats.org/presentationml/2006/main">
+  <p:cSld>
+    <p:spTree>
+      <p:nvGrpSpPr>
+        <p:cNvPr id="1" name=""/>
+        <p:cNvGrpSpPr/>
+        <p:nvPr/>
+      </p:nvGrpSpPr>
+      <p:grpSpPr>
+        <a:xfrm>
+          <a:off x="0" y="0"/>
+          <a:ext cx="0" cy="0"/>
+          <a:chOff x="0" y="0"/>
+          <a:chExt cx="0" cy="0"/>
+        </a:xfrm>
+      </p:grpSpPr>
+      <p:sp>
+        <p:nvSpPr>
+          <p:cNvPr id="2" name="Título 1">
+            <a:extLst>
+              <a:ext uri="{FF2B5EF4-FFF2-40B4-BE49-F238E27FC236}">
+                <a16:creationId xmlns:a16="http://schemas.microsoft.com/office/drawing/2014/main" id="{FAAB2850-D49A-900B-E3EE-08DD899B46B2}"/>
+              </a:ext>
+            </a:extLst>
+          </p:cNvPr>
+          <p:cNvSpPr>
+            <a:spLocks noGrp="1"/>
+          </p:cNvSpPr>
+          <p:nvPr>
+            <p:ph type="title"/>
+          </p:nvPr>
+        </p:nvSpPr>
+        <p:spPr/>
+        <p:txBody>
+          <a:bodyPr/>
+          <a:lstStyle/>
+          <a:p>
+            <a:r>
+              <a:rPr lang="pt-BR" dirty="0"/>
+              <a:t>Exercícios com </a:t>
+            </a:r>
+            <a:r>
+              <a:rPr lang="pt-BR" dirty="0" err="1"/>
+              <a:t>reduce</a:t>
+            </a:r>
+            <a:endParaRPr lang="pt-BR" dirty="0"/>
+          </a:p>
+        </p:txBody>
+      </p:sp>
+      <p:sp>
+        <p:nvSpPr>
+          <p:cNvPr id="3" name="Espaço Reservado para Conteúdo 2">
+            <a:extLst>
+              <a:ext uri="{FF2B5EF4-FFF2-40B4-BE49-F238E27FC236}">
+                <a16:creationId xmlns:a16="http://schemas.microsoft.com/office/drawing/2014/main" id="{D55F6038-2956-EDFE-A545-F8C86D23E8A1}"/>
+              </a:ext>
+            </a:extLst>
+          </p:cNvPr>
+          <p:cNvSpPr>
+            <a:spLocks noGrp="1"/>
+          </p:cNvSpPr>
+          <p:nvPr>
+            <p:ph idx="1"/>
+          </p:nvPr>
+        </p:nvSpPr>
+        <p:spPr/>
+        <p:txBody>
+          <a:bodyPr/>
+          <a:lstStyle/>
+          <a:p>
+            <a:r>
+              <a:rPr lang="pt-BR" dirty="0"/>
+              <a:t>Exe4: Dado um </a:t>
+            </a:r>
+            <a:r>
+              <a:rPr lang="pt-BR" dirty="0" err="1"/>
+              <a:t>array</a:t>
+            </a:r>
+            <a:r>
+              <a:rPr lang="pt-BR" dirty="0"/>
+              <a:t> de números, use a função </a:t>
+            </a:r>
+            <a:r>
+              <a:rPr lang="pt-BR" dirty="0" err="1"/>
+              <a:t>reduce</a:t>
+            </a:r>
+            <a:r>
+              <a:rPr lang="pt-BR" dirty="0"/>
+              <a:t>() para calcular a média dos números no </a:t>
+            </a:r>
+            <a:r>
+              <a:rPr lang="pt-BR" dirty="0" err="1"/>
+              <a:t>array</a:t>
+            </a:r>
+            <a:r>
+              <a:rPr lang="pt-BR" dirty="0"/>
+              <a:t>.</a:t>
+            </a:r>
+          </a:p>
+        </p:txBody>
+      </p:sp>
+    </p:spTree>
+    <p:extLst>
+      <p:ext uri="{BB962C8B-B14F-4D97-AF65-F5344CB8AC3E}">
+        <p14:creationId xmlns:p14="http://schemas.microsoft.com/office/powerpoint/2010/main" val="1041120626"/>
+      </p:ext>
+    </p:extLst>
+  </p:cSld>
+  <p:clrMapOvr>
+    <a:masterClrMapping/>
+  </p:clrMapOvr>
+</p:sld>
+</file>
+
+<file path=ppt/slides/slide24.xml><?xml version="1.0" encoding="utf-8"?>
+<p:sld xmlns:a="http://schemas.openxmlformats.org/drawingml/2006/main" xmlns:r="http://schemas.openxmlformats.org/officeDocument/2006/relationships" xmlns:p="http://schemas.openxmlformats.org/presentationml/2006/main">
+  <p:cSld>
+    <p:spTree>
+      <p:nvGrpSpPr>
+        <p:cNvPr id="1" name=""/>
+        <p:cNvGrpSpPr/>
+        <p:nvPr/>
+      </p:nvGrpSpPr>
+      <p:grpSpPr>
+        <a:xfrm>
+          <a:off x="0" y="0"/>
+          <a:ext cx="0" cy="0"/>
+          <a:chOff x="0" y="0"/>
+          <a:chExt cx="0" cy="0"/>
+        </a:xfrm>
+      </p:grpSpPr>
+      <p:sp>
+        <p:nvSpPr>
+          <p:cNvPr id="2" name="Title 1"/>
+          <p:cNvSpPr>
+            <a:spLocks noGrp="1"/>
+          </p:cNvSpPr>
+          <p:nvPr>
+            <p:ph type="title"/>
+          </p:nvPr>
+        </p:nvSpPr>
+        <p:spPr/>
+        <p:txBody>
+          <a:bodyPr/>
+          <a:lstStyle/>
+          <a:p>
+            <a:r>
+              <a:t>Perguntas e Respostas</a:t>
+            </a:r>
+          </a:p>
+        </p:txBody>
+      </p:sp>
+      <p:sp>
+        <p:nvSpPr>
+          <p:cNvPr id="3" name="Content Placeholder 2"/>
+          <p:cNvSpPr>
+            <a:spLocks noGrp="1"/>
+          </p:cNvSpPr>
+          <p:nvPr>
+            <p:ph idx="1"/>
+          </p:nvPr>
+        </p:nvSpPr>
+        <p:spPr/>
+        <p:txBody>
+          <a:bodyPr/>
+          <a:lstStyle/>
+          <a:p>
+            <a:r>
+              <a:t>Sessão de dúvidas:</a:t>
+            </a:r>
+          </a:p>
+          <a:p>
+            <a:r>
+              <a:t>- Aprofundamento nos tópicos abordados</a:t>
+            </a:r>
+          </a:p>
+          <a:p>
+            <a:r>
+              <a:t>- Resolução de exemplos adicionais</a:t>
+            </a:r>
+          </a:p>
+        </p:txBody>
+      </p:sp>
+    </p:spTree>
+  </p:cSld>
+  <p:clrMapOvr>
+    <a:masterClrMapping/>
+  </p:clrMapOvr>
+</p:sld>
+</file>
+
+<file path=ppt/slides/slide25.xml><?xml version="1.0" encoding="utf-8"?>
+<p:sld xmlns:a="http://schemas.openxmlformats.org/drawingml/2006/main" xmlns:r="http://schemas.openxmlformats.org/officeDocument/2006/relationships" xmlns:p="http://schemas.openxmlformats.org/presentationml/2006/main">
+  <p:cSld>
+    <p:spTree>
+      <p:nvGrpSpPr>
+        <p:cNvPr id="1" name=""/>
+        <p:cNvGrpSpPr/>
+        <p:nvPr/>
+      </p:nvGrpSpPr>
+      <p:grpSpPr>
+        <a:xfrm>
+          <a:off x="0" y="0"/>
+          <a:ext cx="0" cy="0"/>
+          <a:chOff x="0" y="0"/>
+          <a:chExt cx="0" cy="0"/>
+        </a:xfrm>
+      </p:grpSpPr>
+      <p:sp>
+        <p:nvSpPr>
+          <p:cNvPr id="2" name="Title 1"/>
+          <p:cNvSpPr>
+            <a:spLocks noGrp="1"/>
+          </p:cNvSpPr>
+          <p:nvPr>
+            <p:ph type="title"/>
+          </p:nvPr>
+        </p:nvSpPr>
+        <p:spPr/>
+        <p:txBody>
+          <a:bodyPr/>
+          <a:lstStyle/>
+          <a:p>
+            <a:r>
+              <a:t>Referências e Recursos</a:t>
+            </a:r>
+          </a:p>
+        </p:txBody>
+      </p:sp>
+      <p:sp>
+        <p:nvSpPr>
+          <p:cNvPr id="3" name="Content Placeholder 2"/>
+          <p:cNvSpPr>
+            <a:spLocks noGrp="1"/>
+          </p:cNvSpPr>
+          <p:nvPr>
+            <p:ph idx="1"/>
+          </p:nvPr>
+        </p:nvSpPr>
+        <p:spPr/>
+        <p:txBody>
+          <a:bodyPr/>
+          <a:lstStyle/>
+          <a:p>
+            <a:r>
+              <a:rPr dirty="0"/>
+              <a:t>Links </a:t>
+            </a:r>
+            <a:r>
+              <a:rPr dirty="0" err="1"/>
+              <a:t>Úteis</a:t>
+            </a:r>
+            <a:r>
+              <a:rPr dirty="0"/>
+              <a:t>:</a:t>
+            </a:r>
+          </a:p>
+          <a:p>
+            <a:pPr marL="0" indent="0">
+              <a:buNone/>
+            </a:pPr>
+            <a:r>
+              <a:rPr dirty="0"/>
+              <a:t>- MDN Web Docs: JavaScript Functions</a:t>
+            </a:r>
+          </a:p>
+          <a:p>
+            <a:pPr marL="0" indent="0">
+              <a:buNone/>
+            </a:pPr>
+            <a:r>
+              <a:rPr dirty="0"/>
+              <a:t>https://developer.mozilla.org/en-US/docs/Web/JavaScript/Guide/Functions</a:t>
+            </a:r>
+            <a:endParaRPr lang="pt-BR" dirty="0"/>
+          </a:p>
+          <a:p>
+            <a:pPr marL="0" indent="0">
+              <a:buNone/>
+            </a:pPr>
+            <a:endParaRPr dirty="0"/>
+          </a:p>
+          <a:p>
+            <a:r>
+              <a:rPr dirty="0"/>
+              <a:t>- ECMAScript 6 Features</a:t>
+            </a:r>
+          </a:p>
+          <a:p>
+            <a:pPr marL="0" indent="0">
+              <a:buNone/>
+            </a:pPr>
+            <a:r>
+              <a:rPr dirty="0"/>
+              <a:t>https://es6-features.org/</a:t>
             </a:r>
           </a:p>
         </p:txBody>
@@ -4573,8 +6527,18 @@
           <a:lstStyle/>
           <a:p>
             <a:r>
-              <a:t>Funções Anônimas</a:t>
-            </a:r>
+              <a:rPr dirty="0" err="1"/>
+              <a:t>Funções</a:t>
+            </a:r>
+            <a:r>
+              <a:rPr dirty="0"/>
+              <a:t> </a:t>
+            </a:r>
+            <a:r>
+              <a:rPr dirty="0" err="1"/>
+              <a:t>Anônimas</a:t>
+            </a:r>
+            <a:endParaRPr dirty="0"/>
           </a:p>
         </p:txBody>
       </p:sp>
@@ -4907,7 +6871,20 @@
           <a:lstStyle/>
           <a:p>
             <a:r>
-              <a:t>Introdução às Arrow Functions (ES6)</a:t>
+              <a:rPr dirty="0" err="1"/>
+              <a:t>Introdução</a:t>
+            </a:r>
+            <a:r>
+              <a:rPr dirty="0"/>
+              <a:t> </a:t>
+            </a:r>
+            <a:r>
+              <a:rPr dirty="0" err="1"/>
+              <a:t>às</a:t>
+            </a:r>
+            <a:r>
+              <a:rPr dirty="0"/>
+              <a:t> Arrow Functions (ES6)</a:t>
             </a:r>
           </a:p>
         </p:txBody>
@@ -5150,7 +7127,15 @@
             </a:pPr>
             <a:r>
               <a:rPr dirty="0"/>
-              <a:t>var soma = function(a, b) {</a:t>
+              <a:t>var soma = </a:t>
+            </a:r>
+            <a:r>
+              <a:rPr b="1" dirty="0"/>
+              <a:t>function</a:t>
+            </a:r>
+            <a:r>
+              <a:rPr dirty="0"/>
+              <a:t>(a, b) {</a:t>
             </a:r>
           </a:p>
           <a:p>
@@ -5186,7 +7171,15 @@
             </a:pPr>
             <a:r>
               <a:rPr dirty="0"/>
-              <a:t>var soma = (a, b) =&gt; a + b;</a:t>
+              <a:t>var soma = (a, b) </a:t>
+            </a:r>
+            <a:r>
+              <a:rPr b="1" dirty="0"/>
+              <a:t>=&gt;</a:t>
+            </a:r>
+            <a:r>
+              <a:rPr dirty="0"/>
+              <a:t> a + b;</a:t>
             </a:r>
           </a:p>
         </p:txBody>
@@ -5232,175 +7225,103 @@
           <a:lstStyle/>
           <a:p>
             <a:r>
+              <a:t>Diferenças Entre ES5 e ES6</a:t>
+            </a:r>
+          </a:p>
+        </p:txBody>
+      </p:sp>
+      <p:sp>
+        <p:nvSpPr>
+          <p:cNvPr id="3" name="Content Placeholder 2"/>
+          <p:cNvSpPr>
+            <a:spLocks noGrp="1"/>
+          </p:cNvSpPr>
+          <p:nvPr>
+            <p:ph idx="1"/>
+          </p:nvPr>
+        </p:nvSpPr>
+        <p:spPr/>
+        <p:txBody>
+          <a:bodyPr>
+            <a:normAutofit/>
+          </a:bodyPr>
+          <a:lstStyle/>
+          <a:p>
+            <a:r>
+              <a:rPr dirty="0"/>
+              <a:t>ES5:</a:t>
+            </a:r>
+          </a:p>
+          <a:p>
+            <a:pPr lvl="1"/>
+            <a:r>
+              <a:rPr dirty="0"/>
+              <a:t>- </a:t>
+            </a:r>
+            <a:r>
               <a:rPr dirty="0" err="1"/>
-              <a:t>Diferenças</a:t>
-            </a:r>
-            <a:r>
-              <a:rPr dirty="0"/>
-              <a:t> de this em ES5 e ES6</a:t>
-            </a:r>
-          </a:p>
-        </p:txBody>
-      </p:sp>
-      <p:sp>
-        <p:nvSpPr>
-          <p:cNvPr id="3" name="Content Placeholder 2"/>
-          <p:cNvSpPr>
-            <a:spLocks noGrp="1"/>
-          </p:cNvSpPr>
-          <p:nvPr>
-            <p:ph idx="1"/>
-          </p:nvPr>
-        </p:nvSpPr>
-        <p:spPr/>
-        <p:txBody>
-          <a:bodyPr>
-            <a:normAutofit fontScale="77500" lnSpcReduction="20000"/>
-          </a:bodyPr>
-          <a:lstStyle/>
-          <a:p>
-            <a:r>
-              <a:rPr dirty="0"/>
-              <a:t>ES5 (this </a:t>
+              <a:t>Funções</a:t>
+            </a:r>
+            <a:r>
+              <a:rPr dirty="0"/>
+              <a:t> </a:t>
             </a:r>
             <a:r>
               <a:rPr dirty="0" err="1"/>
-              <a:t>dinâmico</a:t>
-            </a:r>
-            <a:r>
-              <a:rPr dirty="0"/>
-              <a:t>):</a:t>
-            </a:r>
-          </a:p>
-          <a:p>
-            <a:pPr marL="0" indent="0">
-              <a:buNone/>
-            </a:pPr>
-            <a:endParaRPr lang="pt-BR" dirty="0"/>
-          </a:p>
-          <a:p>
-            <a:pPr marL="0" indent="0">
-              <a:buNone/>
-            </a:pPr>
-            <a:r>
-              <a:rPr dirty="0"/>
-              <a:t>function </a:t>
+              <a:t>tradicionais</a:t>
+            </a:r>
+            <a:endParaRPr dirty="0"/>
+          </a:p>
+          <a:p>
+            <a:pPr lvl="1"/>
+            <a:r>
+              <a:rPr dirty="0"/>
+              <a:t>- var para </a:t>
             </a:r>
             <a:r>
               <a:rPr dirty="0" err="1"/>
-              <a:t>Exemplo</a:t>
-            </a:r>
-            <a:r>
-              <a:rPr dirty="0"/>
-              <a:t>() {</a:t>
-            </a:r>
-          </a:p>
-          <a:p>
-            <a:pPr marL="0" indent="0">
-              <a:buNone/>
-            </a:pPr>
-            <a:r>
-              <a:rPr dirty="0"/>
-              <a:t>    </a:t>
+              <a:t>variáveis</a:t>
+            </a:r>
+            <a:endParaRPr dirty="0"/>
+          </a:p>
+          <a:p>
+            <a:endParaRPr dirty="0"/>
+          </a:p>
+          <a:p>
+            <a:r>
+              <a:rPr dirty="0"/>
+              <a:t>ES6:</a:t>
+            </a:r>
+          </a:p>
+          <a:p>
+            <a:pPr lvl="1"/>
+            <a:r>
+              <a:rPr dirty="0"/>
+              <a:t>- Arrow functions</a:t>
+            </a:r>
+          </a:p>
+          <a:p>
+            <a:pPr lvl="1"/>
+            <a:r>
+              <a:rPr dirty="0"/>
+              <a:t>- let e const para </a:t>
             </a:r>
             <a:r>
               <a:rPr dirty="0" err="1"/>
-              <a:t>this.contador</a:t>
-            </a:r>
-            <a:r>
-              <a:rPr dirty="0"/>
-              <a:t> = 0;</a:t>
-            </a:r>
-          </a:p>
-          <a:p>
-            <a:pPr marL="0" indent="0">
-              <a:buNone/>
-            </a:pPr>
-            <a:r>
-              <a:rPr dirty="0"/>
-              <a:t>    </a:t>
+              <a:t>variáveis</a:t>
+            </a:r>
+            <a:endParaRPr dirty="0"/>
+          </a:p>
+          <a:p>
+            <a:pPr lvl="1"/>
+            <a:r>
+              <a:rPr dirty="0"/>
+              <a:t>- Novas features: template literals, </a:t>
             </a:r>
             <a:r>
               <a:rPr dirty="0" err="1"/>
-              <a:t>setInterval</a:t>
-            </a:r>
-            <a:r>
-              <a:rPr dirty="0"/>
-              <a:t>(function() {</a:t>
-            </a:r>
-          </a:p>
-          <a:p>
-            <a:pPr marL="0" indent="0">
-              <a:buNone/>
-            </a:pPr>
-            <a:r>
-              <a:rPr dirty="0"/>
-              <a:t>        </a:t>
-            </a:r>
-            <a:r>
-              <a:rPr dirty="0" err="1"/>
-              <a:t>this.contador</a:t>
-            </a:r>
-            <a:r>
-              <a:rPr dirty="0"/>
-              <a:t>++;</a:t>
-            </a:r>
-          </a:p>
-          <a:p>
-            <a:pPr marL="0" indent="0">
-              <a:buNone/>
-            </a:pPr>
-            <a:r>
-              <a:rPr dirty="0"/>
-              <a:t>        console.log(</a:t>
-            </a:r>
-            <a:r>
-              <a:rPr dirty="0" err="1"/>
-              <a:t>this.contador</a:t>
-            </a:r>
-            <a:r>
-              <a:rPr dirty="0"/>
-              <a:t>);</a:t>
-            </a:r>
-          </a:p>
-          <a:p>
-            <a:pPr marL="0" indent="0">
-              <a:buNone/>
-            </a:pPr>
-            <a:r>
-              <a:rPr dirty="0"/>
-              <a:t>    }, 1000);</a:t>
-            </a:r>
-          </a:p>
-          <a:p>
-            <a:pPr marL="0" indent="0">
-              <a:buNone/>
-            </a:pPr>
-            <a:r>
-              <a:rPr dirty="0"/>
-              <a:t>}</a:t>
-            </a:r>
-          </a:p>
-          <a:p>
-            <a:pPr marL="0" indent="0">
-              <a:buNone/>
-            </a:pPr>
-            <a:endParaRPr lang="pt-BR" dirty="0"/>
-          </a:p>
-          <a:p>
-            <a:pPr marL="0" indent="0">
-              <a:buNone/>
-            </a:pPr>
-            <a:r>
-              <a:rPr dirty="0" err="1"/>
-              <a:t>Exemplo</a:t>
-            </a:r>
-            <a:r>
-              <a:rPr dirty="0"/>
-              <a:t>();</a:t>
-            </a:r>
-          </a:p>
-          <a:p>
+              <a:t>destructuring</a:t>
+            </a:r>
             <a:endParaRPr dirty="0"/>
           </a:p>
         </p:txBody>
@@ -5435,7 +7356,7 @@
           <p:cNvPr id="2" name="Título 1">
             <a:extLst>
               <a:ext uri="{FF2B5EF4-FFF2-40B4-BE49-F238E27FC236}">
-                <a16:creationId xmlns:a16="http://schemas.microsoft.com/office/drawing/2014/main" id="{22699231-FE1A-94AE-24B2-3E15E119160E}"/>
+                <a16:creationId xmlns:a16="http://schemas.microsoft.com/office/drawing/2014/main" id="{B4EFB0E8-AB1E-4685-ADAF-DBB85F2A62ED}"/>
               </a:ext>
             </a:extLst>
           </p:cNvPr>
@@ -5453,16 +7374,21 @@
           <a:p>
             <a:r>
               <a:rPr lang="pt-BR" dirty="0"/>
-              <a:t>Diferenças de </a:t>
+              <a:t>Exercícios de </a:t>
             </a:r>
             <a:r>
               <a:rPr lang="pt-BR" dirty="0" err="1"/>
-              <a:t>this</a:t>
-            </a:r>
-            <a:r>
-              <a:rPr lang="pt-BR" dirty="0"/>
-              <a:t> em ES5 e ES6</a:t>
-            </a:r>
+              <a:t>arrow</a:t>
+            </a:r>
+            <a:r>
+              <a:rPr lang="pt-BR" dirty="0"/>
+              <a:t> </a:t>
+            </a:r>
+            <a:r>
+              <a:rPr lang="pt-BR" dirty="0" err="1"/>
+              <a:t>function</a:t>
+            </a:r>
+            <a:endParaRPr lang="pt-BR" dirty="0"/>
           </a:p>
         </p:txBody>
       </p:sp>
@@ -5471,7 +7397,7 @@
           <p:cNvPr id="3" name="Espaço Reservado para Conteúdo 2">
             <a:extLst>
               <a:ext uri="{FF2B5EF4-FFF2-40B4-BE49-F238E27FC236}">
-                <a16:creationId xmlns:a16="http://schemas.microsoft.com/office/drawing/2014/main" id="{740B08C9-65B9-B2F1-AA60-B5BDA53BE518}"/>
+                <a16:creationId xmlns:a16="http://schemas.microsoft.com/office/drawing/2014/main" id="{18351735-46C6-1559-E509-7EF8C3B8A53F}"/>
               </a:ext>
             </a:extLst>
           </p:cNvPr>
@@ -5485,146 +7411,63 @@
         <p:spPr/>
         <p:txBody>
           <a:bodyPr>
-            <a:normAutofit fontScale="85000" lnSpcReduction="20000"/>
+            <a:normAutofit/>
           </a:bodyPr>
           <a:lstStyle/>
           <a:p>
             <a:r>
               <a:rPr lang="pt-BR" dirty="0"/>
-              <a:t>ES6 (</a:t>
+              <a:t>Crie uma </a:t>
             </a:r>
             <a:r>
               <a:rPr lang="pt-BR" dirty="0" err="1"/>
-              <a:t>this</a:t>
-            </a:r>
-            <a:r>
-              <a:rPr lang="pt-BR" dirty="0"/>
-              <a:t> léxico):</a:t>
-            </a:r>
-          </a:p>
-          <a:p>
-            <a:pPr marL="0" indent="0">
-              <a:buNone/>
-            </a:pPr>
-            <a:endParaRPr lang="pt-BR" dirty="0"/>
-          </a:p>
-          <a:p>
-            <a:pPr marL="0" indent="0">
-              <a:buNone/>
-            </a:pPr>
+              <a:t>arrow</a:t>
+            </a:r>
+            <a:r>
+              <a:rPr lang="pt-BR" dirty="0"/>
+              <a:t> </a:t>
+            </a:r>
             <a:r>
               <a:rPr lang="pt-BR" dirty="0" err="1"/>
               <a:t>function</a:t>
             </a:r>
             <a:r>
               <a:rPr lang="pt-BR" dirty="0"/>
-              <a:t> Exemplo() {</a:t>
-            </a:r>
-          </a:p>
-          <a:p>
-            <a:pPr marL="0" indent="0">
-              <a:buNone/>
-            </a:pPr>
-            <a:r>
-              <a:rPr lang="pt-BR" dirty="0"/>
-              <a:t>    </a:t>
+              <a:t> chamada </a:t>
             </a:r>
             <a:r>
               <a:rPr lang="pt-BR" dirty="0" err="1"/>
-              <a:t>this.contador</a:t>
-            </a:r>
-            <a:r>
-              <a:rPr lang="pt-BR" dirty="0"/>
-              <a:t> = 0;</a:t>
-            </a:r>
-          </a:p>
-          <a:p>
-            <a:pPr marL="0" indent="0">
-              <a:buNone/>
-            </a:pPr>
-            <a:r>
-              <a:rPr lang="pt-BR" dirty="0"/>
-              <a:t>    </a:t>
-            </a:r>
-            <a:r>
-              <a:rPr lang="pt-BR" dirty="0" err="1"/>
-              <a:t>setInterval</a:t>
-            </a:r>
-            <a:r>
-              <a:rPr lang="pt-BR" dirty="0"/>
-              <a:t>(() =&gt; {</a:t>
-            </a:r>
-          </a:p>
-          <a:p>
-            <a:pPr marL="0" indent="0">
-              <a:buNone/>
-            </a:pPr>
-            <a:r>
-              <a:rPr lang="pt-BR" dirty="0"/>
-              <a:t>        </a:t>
-            </a:r>
-            <a:r>
-              <a:rPr lang="pt-BR" dirty="0" err="1"/>
-              <a:t>this.contador</a:t>
-            </a:r>
-            <a:r>
-              <a:rPr lang="pt-BR" dirty="0"/>
-              <a:t>++;</a:t>
-            </a:r>
-          </a:p>
-          <a:p>
-            <a:pPr marL="0" indent="0">
-              <a:buNone/>
-            </a:pPr>
-            <a:r>
-              <a:rPr lang="pt-BR" dirty="0"/>
-              <a:t>        console.log(</a:t>
-            </a:r>
-            <a:r>
-              <a:rPr lang="pt-BR" dirty="0" err="1"/>
-              <a:t>this.contador</a:t>
-            </a:r>
-            <a:r>
-              <a:rPr lang="pt-BR" dirty="0"/>
-              <a:t>);</a:t>
-            </a:r>
-          </a:p>
-          <a:p>
-            <a:pPr marL="0" indent="0">
-              <a:buNone/>
-            </a:pPr>
-            <a:r>
-              <a:rPr lang="pt-BR" dirty="0"/>
-              <a:t>    }, 1000);</a:t>
-            </a:r>
-          </a:p>
-          <a:p>
-            <a:pPr marL="0" indent="0">
-              <a:buNone/>
-            </a:pPr>
-            <a:r>
-              <a:rPr lang="pt-BR" dirty="0"/>
-              <a:t>}</a:t>
-            </a:r>
-          </a:p>
-          <a:p>
-            <a:pPr marL="0" indent="0">
-              <a:buNone/>
-            </a:pPr>
-            <a:r>
-              <a:rPr lang="pt-BR" dirty="0"/>
-              <a:t>Exemplo();</a:t>
-            </a:r>
-          </a:p>
-          <a:p>
-            <a:endParaRPr lang="pt-BR" dirty="0"/>
+              <a:t>somarPares</a:t>
+            </a:r>
+            <a:r>
+              <a:rPr lang="pt-BR" dirty="0"/>
+              <a:t>.</a:t>
+            </a:r>
+          </a:p>
+          <a:p>
+            <a:r>
+              <a:rPr lang="pt-BR" dirty="0"/>
+              <a:t>A função deve iterar sobre os números de 1 a 20.</a:t>
+            </a:r>
+          </a:p>
+          <a:p>
+            <a:r>
+              <a:rPr lang="pt-BR" dirty="0"/>
+              <a:t>Dentro dessa função, some todos os números pares (sem usar vetores). </a:t>
+            </a:r>
+          </a:p>
+          <a:p>
+            <a:r>
+              <a:rPr lang="pt-BR" dirty="0"/>
+              <a:t>A função deve retornar o resultado da soma.</a:t>
+            </a:r>
           </a:p>
         </p:txBody>
       </p:sp>
     </p:spTree>
     <p:extLst>
       <p:ext uri="{BB962C8B-B14F-4D97-AF65-F5344CB8AC3E}">
-        <p14:creationId xmlns:p14="http://schemas.microsoft.com/office/powerpoint/2010/main" val="4231815072"/>
+        <p14:creationId xmlns:p14="http://schemas.microsoft.com/office/powerpoint/2010/main" val="3817125615"/>
       </p:ext>
     </p:extLst>
   </p:cSld>

--- a/ES5e6.pptx
+++ b/ES5e6.pptx
@@ -3867,22 +3867,38 @@
           <a:lstStyle/>
           <a:p>
             <a:r>
-              <a:rPr lang="pt-BR" sz="2400" dirty="0"/>
+              <a:rPr lang="pt-BR" sz="2400" dirty="0">
+                <a:highlight>
+                  <a:srgbClr val="FFFF00"/>
+                </a:highlight>
+              </a:rPr>
               <a:t>Exercício 1: Verificar se um Número é Par </a:t>
             </a:r>
           </a:p>
           <a:p>
             <a:pPr lvl="1"/>
             <a:r>
-              <a:rPr lang="pt-BR" sz="2400" dirty="0"/>
+              <a:rPr lang="pt-BR" sz="2400" dirty="0">
+                <a:highlight>
+                  <a:srgbClr val="FFFF00"/>
+                </a:highlight>
+              </a:rPr>
               <a:t>Crie uma função anônima que recebe um número como parâmetro e retorna `</a:t>
             </a:r>
             <a:r>
-              <a:rPr lang="pt-BR" sz="2400" dirty="0" err="1"/>
+              <a:rPr lang="pt-BR" sz="2400" dirty="0" err="1">
+                <a:highlight>
+                  <a:srgbClr val="FFFF00"/>
+                </a:highlight>
+              </a:rPr>
               <a:t>true</a:t>
             </a:r>
             <a:r>
-              <a:rPr lang="pt-BR" sz="2400" dirty="0"/>
+              <a:rPr lang="pt-BR" sz="2400" dirty="0">
+                <a:highlight>
+                  <a:srgbClr val="FFFF00"/>
+                </a:highlight>
+              </a:rPr>
               <a:t>` se o número for par, ou `false` se for ímpar. </a:t>
             </a:r>
           </a:p>
@@ -4043,21 +4059,29 @@
           <a:lstStyle/>
           <a:p>
             <a:r>
+              <a:rPr lang="pt-BR" sz="2400" dirty="0">
+                <a:highlight>
+                  <a:srgbClr val="FFFF00"/>
+                </a:highlight>
+              </a:rPr>
+              <a:t>Exercício 6: Calcular a Média de Três Números</a:t>
+            </a:r>
+          </a:p>
+          <a:p>
+            <a:pPr lvl="1"/>
+            <a:r>
+              <a:rPr lang="pt-BR" sz="1800" dirty="0">
+                <a:highlight>
+                  <a:srgbClr val="FFFF00"/>
+                </a:highlight>
+              </a:rPr>
+              <a:t>Crie uma função anônima que recebe três números como parâmetros e retorna a média desses números.</a:t>
+            </a:r>
+          </a:p>
+          <a:p>
+            <a:r>
               <a:rPr lang="pt-BR" sz="2400" dirty="0"/>
-              <a:t>Exercício 1: Calcular a Média de Três Números</a:t>
-            </a:r>
-          </a:p>
-          <a:p>
-            <a:pPr lvl="1"/>
-            <a:r>
-              <a:rPr lang="pt-BR" sz="1800" dirty="0"/>
-              <a:t>Crie uma função anônima que recebe três números como parâmetros e retorna a média desses números.</a:t>
-            </a:r>
-          </a:p>
-          <a:p>
-            <a:r>
-              <a:rPr lang="pt-BR" sz="2400" dirty="0"/>
-              <a:t>Exercício 2: Calcular a Área de um Retângulo</a:t>
+              <a:t>Exercício 7: Calcular a Área de um Retângulo</a:t>
             </a:r>
           </a:p>
           <a:p>
@@ -4070,7 +4094,7 @@
           <a:p>
             <a:r>
               <a:rPr lang="pt-BR" sz="2400" dirty="0"/>
-              <a:t>Exercício 3: Verificar se um Número está em um Intervalo</a:t>
+              <a:t>Exercício 8: Verificar se um Número está em um Intervalo</a:t>
             </a:r>
           </a:p>
           <a:p>
@@ -4091,7 +4115,7 @@
           <a:p>
             <a:r>
               <a:rPr lang="pt-BR" sz="2400" dirty="0"/>
-              <a:t>Exercício 4: Calcular o Maior de Três Números</a:t>
+              <a:t>Exercício 9: Calcular o Maior de Três Números</a:t>
             </a:r>
           </a:p>
           <a:p>
@@ -4104,7 +4128,7 @@
           <a:p>
             <a:r>
               <a:rPr lang="pt-BR" sz="2400" dirty="0"/>
-              <a:t>Exercício 5: Calcular a Soma dos Números ao Quadrado</a:t>
+              <a:t>Exercício 10: Calcular a Soma dos Números ao Quadrado</a:t>
             </a:r>
           </a:p>
           <a:p>
@@ -4212,7 +4236,7 @@
           <a:p>
             <a:r>
               <a:rPr lang="pt-BR" dirty="0"/>
-              <a:t>Exercício 6: Verificar se Todos os Parâmetros são Verdadeiros </a:t>
+              <a:t>Exercício 11: Verificar se Todos os Parâmetros são Verdadeiros </a:t>
             </a:r>
           </a:p>
           <a:p>
@@ -4233,7 +4257,7 @@
           <a:p>
             <a:r>
               <a:rPr lang="pt-BR" dirty="0"/>
-              <a:t>Exercício 7: Calcular o Produto de Quatro Números</a:t>
+              <a:t>Exercício 12: Calcular o Produto de Quatro Números</a:t>
             </a:r>
           </a:p>
           <a:p>
@@ -4246,7 +4270,7 @@
           <a:p>
             <a:r>
               <a:rPr lang="pt-BR" dirty="0"/>
-              <a:t>Exercício 8: Verificar se a Soma de Dois Números é Par ou Ímpar </a:t>
+              <a:t>Exercício 13: Verificar se a Soma de Dois Números é Par ou Ímpar </a:t>
             </a:r>
           </a:p>
           <a:p>
